--- a/praktikum/praesentation/praesentation.pptx
+++ b/praktikum/praesentation/praesentation.pptx
@@ -1,6 +1,6 @@
 
 <file path=ppt/presentation.xml><?xml version="1.0" encoding="utf-8"?>
-<p:presentation xmlns:a="http://schemas.openxmlformats.org/drawingml/2006/main" xmlns:p="http://schemas.openxmlformats.org/presentationml/2006/main" xmlns:r="http://schemas.openxmlformats.org/officeDocument/2006/relationships" autoCompressPictures="0" saveSubsetFonts="1">
+<p:presentation xmlns:a="http://schemas.openxmlformats.org/drawingml/2006/main" xmlns:r="http://schemas.openxmlformats.org/officeDocument/2006/relationships" xmlns:p="http://schemas.openxmlformats.org/presentationml/2006/main" saveSubsetFonts="1" autoCompressPictures="0">
   <p:sldMasterIdLst>
     <p:sldMasterId id="2147483648" r:id="rId1"/>
   </p:sldMasterIdLst>
@@ -22,8 +22,8 @@
     <a:defPPr>
       <a:defRPr lang="en-US"/>
     </a:defPPr>
-    <a:lvl1pPr algn="l" defTabSz="457200" eaLnBrk="1" hangingPunct="1" latinLnBrk="0" marL="0" rtl="0">
-      <a:defRPr kern="1200" sz="1800">
+    <a:lvl1pPr marL="0" algn="l" defTabSz="457200" rtl="0" eaLnBrk="1" latinLnBrk="0" hangingPunct="1">
+      <a:defRPr sz="1800" kern="1200">
         <a:solidFill>
           <a:schemeClr val="tx1"/>
         </a:solidFill>
@@ -32,8 +32,8 @@
         <a:cs typeface="+mn-cs"/>
       </a:defRPr>
     </a:lvl1pPr>
-    <a:lvl2pPr algn="l" defTabSz="457200" eaLnBrk="1" hangingPunct="1" latinLnBrk="0" marL="457200" rtl="0">
-      <a:defRPr kern="1200" sz="1800">
+    <a:lvl2pPr marL="457200" algn="l" defTabSz="457200" rtl="0" eaLnBrk="1" latinLnBrk="0" hangingPunct="1">
+      <a:defRPr sz="1800" kern="1200">
         <a:solidFill>
           <a:schemeClr val="tx1"/>
         </a:solidFill>
@@ -42,8 +42,8 @@
         <a:cs typeface="+mn-cs"/>
       </a:defRPr>
     </a:lvl2pPr>
-    <a:lvl3pPr algn="l" defTabSz="457200" eaLnBrk="1" hangingPunct="1" latinLnBrk="0" marL="914400" rtl="0">
-      <a:defRPr kern="1200" sz="1800">
+    <a:lvl3pPr marL="914400" algn="l" defTabSz="457200" rtl="0" eaLnBrk="1" latinLnBrk="0" hangingPunct="1">
+      <a:defRPr sz="1800" kern="1200">
         <a:solidFill>
           <a:schemeClr val="tx1"/>
         </a:solidFill>
@@ -52,8 +52,8 @@
         <a:cs typeface="+mn-cs"/>
       </a:defRPr>
     </a:lvl3pPr>
-    <a:lvl4pPr algn="l" defTabSz="457200" eaLnBrk="1" hangingPunct="1" latinLnBrk="0" marL="1371600" rtl="0">
-      <a:defRPr kern="1200" sz="1800">
+    <a:lvl4pPr marL="1371600" algn="l" defTabSz="457200" rtl="0" eaLnBrk="1" latinLnBrk="0" hangingPunct="1">
+      <a:defRPr sz="1800" kern="1200">
         <a:solidFill>
           <a:schemeClr val="tx1"/>
         </a:solidFill>
@@ -62,8 +62,8 @@
         <a:cs typeface="+mn-cs"/>
       </a:defRPr>
     </a:lvl4pPr>
-    <a:lvl5pPr algn="l" defTabSz="457200" eaLnBrk="1" hangingPunct="1" latinLnBrk="0" marL="1828800" rtl="0">
-      <a:defRPr kern="1200" sz="1800">
+    <a:lvl5pPr marL="1828800" algn="l" defTabSz="457200" rtl="0" eaLnBrk="1" latinLnBrk="0" hangingPunct="1">
+      <a:defRPr sz="1800" kern="1200">
         <a:solidFill>
           <a:schemeClr val="tx1"/>
         </a:solidFill>
@@ -72,8 +72,8 @@
         <a:cs typeface="+mn-cs"/>
       </a:defRPr>
     </a:lvl5pPr>
-    <a:lvl6pPr algn="l" defTabSz="457200" eaLnBrk="1" hangingPunct="1" latinLnBrk="0" marL="2286000" rtl="0">
-      <a:defRPr kern="1200" sz="1800">
+    <a:lvl6pPr marL="2286000" algn="l" defTabSz="457200" rtl="0" eaLnBrk="1" latinLnBrk="0" hangingPunct="1">
+      <a:defRPr sz="1800" kern="1200">
         <a:solidFill>
           <a:schemeClr val="tx1"/>
         </a:solidFill>
@@ -82,8 +82,8 @@
         <a:cs typeface="+mn-cs"/>
       </a:defRPr>
     </a:lvl6pPr>
-    <a:lvl7pPr algn="l" defTabSz="457200" eaLnBrk="1" hangingPunct="1" latinLnBrk="0" marL="2743200" rtl="0">
-      <a:defRPr kern="1200" sz="1800">
+    <a:lvl7pPr marL="2743200" algn="l" defTabSz="457200" rtl="0" eaLnBrk="1" latinLnBrk="0" hangingPunct="1">
+      <a:defRPr sz="1800" kern="1200">
         <a:solidFill>
           <a:schemeClr val="tx1"/>
         </a:solidFill>
@@ -92,8 +92,8 @@
         <a:cs typeface="+mn-cs"/>
       </a:defRPr>
     </a:lvl7pPr>
-    <a:lvl8pPr algn="l" defTabSz="457200" eaLnBrk="1" hangingPunct="1" latinLnBrk="0" marL="3200400" rtl="0">
-      <a:defRPr kern="1200" sz="1800">
+    <a:lvl8pPr marL="3200400" algn="l" defTabSz="457200" rtl="0" eaLnBrk="1" latinLnBrk="0" hangingPunct="1">
+      <a:defRPr sz="1800" kern="1200">
         <a:solidFill>
           <a:schemeClr val="tx1"/>
         </a:solidFill>
@@ -102,8 +102,8 @@
         <a:cs typeface="+mn-cs"/>
       </a:defRPr>
     </a:lvl8pPr>
-    <a:lvl9pPr algn="l" defTabSz="457200" eaLnBrk="1" hangingPunct="1" latinLnBrk="0" marL="3657600" rtl="0">
-      <a:defRPr kern="1200" sz="1800">
+    <a:lvl9pPr marL="3657600" algn="l" defTabSz="457200" rtl="0" eaLnBrk="1" latinLnBrk="0" hangingPunct="1">
+      <a:defRPr sz="1800" kern="1200">
         <a:solidFill>
           <a:schemeClr val="tx1"/>
         </a:solidFill>
@@ -313,7 +313,7 @@
           <a:p>
             <a:fld id="{241EB5C9-1307-BA42-ABA2-0BC069CD8E7F}" type="datetimeFigureOut">
               <a:rPr lang="en-US" smtClean="0"/>
-              <a:t>4/5/2019</a:t>
+              <a:t>2/17/2018</a:t>
             </a:fld>
             <a:endParaRPr lang="en-US"/>
           </a:p>
@@ -483,7 +483,7 @@
           <a:p>
             <a:fld id="{241EB5C9-1307-BA42-ABA2-0BC069CD8E7F}" type="datetimeFigureOut">
               <a:rPr lang="en-US" smtClean="0"/>
-              <a:t>4/5/2019</a:t>
+              <a:t>2/17/2018</a:t>
             </a:fld>
             <a:endParaRPr lang="en-US"/>
           </a:p>
@@ -663,7 +663,7 @@
           <a:p>
             <a:fld id="{241EB5C9-1307-BA42-ABA2-0BC069CD8E7F}" type="datetimeFigureOut">
               <a:rPr lang="en-US" smtClean="0"/>
-              <a:t>4/5/2019</a:t>
+              <a:t>2/17/2018</a:t>
             </a:fld>
             <a:endParaRPr lang="en-US"/>
           </a:p>
@@ -833,7 +833,7 @@
           <a:p>
             <a:fld id="{241EB5C9-1307-BA42-ABA2-0BC069CD8E7F}" type="datetimeFigureOut">
               <a:rPr lang="en-US" smtClean="0"/>
-              <a:t>4/5/2019</a:t>
+              <a:t>2/17/2018</a:t>
             </a:fld>
             <a:endParaRPr lang="en-US"/>
           </a:p>
@@ -1079,7 +1079,7 @@
           <a:p>
             <a:fld id="{241EB5C9-1307-BA42-ABA2-0BC069CD8E7F}" type="datetimeFigureOut">
               <a:rPr lang="en-US" smtClean="0"/>
-              <a:t>4/5/2019</a:t>
+              <a:t>2/17/2018</a:t>
             </a:fld>
             <a:endParaRPr lang="en-US"/>
           </a:p>
@@ -1367,7 +1367,7 @@
           <a:p>
             <a:fld id="{241EB5C9-1307-BA42-ABA2-0BC069CD8E7F}" type="datetimeFigureOut">
               <a:rPr lang="en-US" smtClean="0"/>
-              <a:t>4/5/2019</a:t>
+              <a:t>2/17/2018</a:t>
             </a:fld>
             <a:endParaRPr lang="en-US"/>
           </a:p>
@@ -1789,7 +1789,7 @@
           <a:p>
             <a:fld id="{241EB5C9-1307-BA42-ABA2-0BC069CD8E7F}" type="datetimeFigureOut">
               <a:rPr lang="en-US" smtClean="0"/>
-              <a:t>4/5/2019</a:t>
+              <a:t>2/17/2018</a:t>
             </a:fld>
             <a:endParaRPr lang="en-US"/>
           </a:p>
@@ -1907,7 +1907,7 @@
           <a:p>
             <a:fld id="{241EB5C9-1307-BA42-ABA2-0BC069CD8E7F}" type="datetimeFigureOut">
               <a:rPr lang="en-US" smtClean="0"/>
-              <a:t>4/5/2019</a:t>
+              <a:t>2/17/2018</a:t>
             </a:fld>
             <a:endParaRPr lang="en-US"/>
           </a:p>
@@ -2002,7 +2002,7 @@
           <a:p>
             <a:fld id="{241EB5C9-1307-BA42-ABA2-0BC069CD8E7F}" type="datetimeFigureOut">
               <a:rPr lang="en-US" smtClean="0"/>
-              <a:t>4/5/2019</a:t>
+              <a:t>2/17/2018</a:t>
             </a:fld>
             <a:endParaRPr lang="en-US"/>
           </a:p>
@@ -2279,7 +2279,7 @@
           <a:p>
             <a:fld id="{241EB5C9-1307-BA42-ABA2-0BC069CD8E7F}" type="datetimeFigureOut">
               <a:rPr lang="en-US" smtClean="0"/>
-              <a:t>4/5/2019</a:t>
+              <a:t>2/17/2018</a:t>
             </a:fld>
             <a:endParaRPr lang="en-US"/>
           </a:p>
@@ -2532,7 +2532,7 @@
           <a:p>
             <a:fld id="{241EB5C9-1307-BA42-ABA2-0BC069CD8E7F}" type="datetimeFigureOut">
               <a:rPr lang="en-US" smtClean="0"/>
-              <a:t>4/5/2019</a:t>
+              <a:t>2/17/2018</a:t>
             </a:fld>
             <a:endParaRPr lang="en-US"/>
           </a:p>
@@ -2745,7 +2745,7 @@
           <a:p>
             <a:fld id="{241EB5C9-1307-BA42-ABA2-0BC069CD8E7F}" type="datetimeFigureOut">
               <a:rPr lang="en-US" smtClean="0"/>
-              <a:t>4/5/2019</a:t>
+              <a:t>2/17/2018</a:t>
             </a:fld>
             <a:endParaRPr lang="en-US"/>
           </a:p>
@@ -3181,7 +3181,7 @@
             <a:spLocks noGrp="1"/>
           </p:cNvSpPr>
           <p:nvPr>
-            <p:ph idx="1" type="subTitle"/>
+            <p:ph type="subTitle" idx="1"/>
           </p:nvPr>
         </p:nvSpPr>
         <p:spPr>
@@ -3273,7 +3273,7 @@
             <a:spLocks noGrp="1"/>
           </p:cNvSpPr>
           <p:nvPr>
-            <p:ph idx="10" sz="half" type="dt"/>
+            <p:ph type="dt" sz="half" idx="10"/>
           </p:nvPr>
         </p:nvSpPr>
         <p:spPr/>
@@ -3716,21 +3716,48 @@
             <a:pPr lvl="1"/>
             <a:r>
               <a:rPr/>
-              <a:t>A</a:t>
+              <a:t>Anbieter von Aus- und Weiterbildungsdienstleistungen</a:t>
             </a:r>
           </a:p>
           <a:p>
             <a:pPr lvl="1"/>
             <a:r>
               <a:rPr/>
-              <a:t>B</a:t>
+              <a:t>Deutschlandweite 16 Schulungszentren</a:t>
             </a:r>
           </a:p>
           <a:p>
             <a:pPr lvl="1"/>
             <a:r>
               <a:rPr/>
-              <a:t>C</a:t>
+              <a:t>Offizieler Bildungspartner von u.a.:</a:t>
+            </a:r>
+          </a:p>
+          <a:p>
+            <a:pPr lvl="2">
+              <a:buAutoNum type="arabicPeriod"/>
+            </a:pPr>
+            <a:r>
+              <a:rPr/>
+              <a:t>Microsoft Corporation</a:t>
+            </a:r>
+          </a:p>
+          <a:p>
+            <a:pPr lvl="2">
+              <a:buAutoNum type="arabicPeriod"/>
+            </a:pPr>
+            <a:r>
+              <a:rPr/>
+              <a:t>DATEV Software &amp; Consulting</a:t>
+            </a:r>
+          </a:p>
+          <a:p>
+            <a:pPr lvl="2">
+              <a:buAutoNum type="arabicPeriod"/>
+            </a:pPr>
+            <a:r>
+              <a:rPr/>
+              <a:t>FSGU Akademie</a:t>
             </a:r>
           </a:p>
         </p:txBody>
@@ -3810,7 +3837,7 @@
             </a:pPr>
             <a:r>
               <a:rPr/>
-              <a:t>1</a:t>
+              <a:t>AVGS - Staatlich finanzierte Arbeitsvermittlung und/oder Arbeitserhaltungsmaßnahmen</a:t>
             </a:r>
           </a:p>
           <a:p>
@@ -3819,7 +3846,7 @@
             </a:pPr>
             <a:r>
               <a:rPr/>
-              <a:t>2</a:t>
+              <a:t>Berufliche Rehabilitation, insbesondere als Träger für die deutsche Rentenversicherung</a:t>
             </a:r>
           </a:p>
           <a:p>
@@ -3828,7 +3855,7 @@
             </a:pPr>
             <a:r>
               <a:rPr/>
-              <a:t>3</a:t>
+              <a:t>Berufsbegleitende Weiterbildungen im Rahmen der Personalentwicklung(“near the job”)</a:t>
             </a:r>
           </a:p>
         </p:txBody>

--- a/praktikum/praesentation/praesentation.pptx
+++ b/praktikum/praesentation/praesentation.pptx
@@ -15,6 +15,9 @@
     <p:sldId id="263" r:id="rId9"/>
     <p:sldId id="264" r:id="rId10"/>
     <p:sldId id="265" r:id="rId11"/>
+    <p:sldId id="266" r:id="rId12"/>
+    <p:sldId id="267" r:id="rId13"/>
+    <p:sldId id="268" r:id="rId14"/>
   </p:sldIdLst>
   <p:sldSz cx="9144000" cy="6858000" type="screen4x3"/>
   <p:notesSz cx="6858000" cy="9144000"/>
@@ -3323,6 +3326,217 @@
             <p:ph type="title"/>
           </p:nvPr>
         </p:nvSpPr>
+        <p:spPr/>
+        <p:txBody>
+          <a:bodyPr/>
+          <a:lstStyle/>
+          <a:p>
+            <a:pPr lvl="0" marL="0" indent="0">
+              <a:buNone/>
+            </a:pPr>
+            <a:r>
+              <a:rPr/>
+              <a:t>1.6</a:t>
+            </a:r>
+            <a:r>
+              <a:rPr/>
+              <a:t> </a:t>
+            </a:r>
+            <a:r>
+              <a:rPr/>
+              <a:t>Betriebliche</a:t>
+            </a:r>
+          </a:p>
+        </p:txBody>
+      </p:sp>
+    </p:spTree>
+  </p:cSld>
+</p:sld>
+</file>
+
+<file path=ppt/slides/slide11.xml><?xml version="1.0" encoding="utf-8"?>
+<p:sld xmlns:a="http://schemas.openxmlformats.org/drawingml/2006/main" xmlns:r="http://schemas.openxmlformats.org/officeDocument/2006/relationships" xmlns:p="http://schemas.openxmlformats.org/presentationml/2006/main">
+  <p:cSld>
+    <p:spTree>
+      <p:nvGrpSpPr>
+        <p:cNvPr id="1" name=""/>
+        <p:cNvGrpSpPr/>
+        <p:nvPr/>
+      </p:nvGrpSpPr>
+      <p:grpSpPr>
+        <a:xfrm>
+          <a:off x="0" y="0"/>
+          <a:ext cx="0" cy="0"/>
+          <a:chOff x="0" y="0"/>
+          <a:chExt cx="0" cy="0"/>
+        </a:xfrm>
+      </p:grpSpPr>
+      <p:sp>
+        <p:nvSpPr>
+          <p:cNvPr id="2" name="Title 1"/>
+          <p:cNvSpPr>
+            <a:spLocks noGrp="1"/>
+          </p:cNvSpPr>
+          <p:nvPr>
+            <p:ph type="title"/>
+          </p:nvPr>
+        </p:nvSpPr>
+        <p:spPr>
+          <a:xfrm>
+            <a:off x="722313" y="4406900"/>
+            <a:ext cx="7772400" cy="1362075"/>
+          </a:xfrm>
+        </p:spPr>
+        <p:txBody>
+          <a:bodyPr/>
+          <a:lstStyle/>
+          <a:p>
+            <a:pPr lvl="0" marL="0" indent="0">
+              <a:buNone/>
+            </a:pPr>
+            <a:r>
+              <a:rPr/>
+              <a:t>2</a:t>
+            </a:r>
+            <a:r>
+              <a:rPr/>
+              <a:t> </a:t>
+            </a:r>
+            <a:r>
+              <a:rPr/>
+              <a:t>Betriebliche</a:t>
+            </a:r>
+            <a:r>
+              <a:rPr/>
+              <a:t> </a:t>
+            </a:r>
+            <a:r>
+              <a:rPr/>
+              <a:t>Handlungsalternativen</a:t>
+            </a:r>
+          </a:p>
+        </p:txBody>
+      </p:sp>
+    </p:spTree>
+  </p:cSld>
+</p:sld>
+</file>
+
+<file path=ppt/slides/slide12.xml><?xml version="1.0" encoding="utf-8"?>
+<p:sld xmlns:a="http://schemas.openxmlformats.org/drawingml/2006/main" xmlns:r="http://schemas.openxmlformats.org/officeDocument/2006/relationships" xmlns:p="http://schemas.openxmlformats.org/presentationml/2006/main">
+  <p:cSld>
+    <p:spTree>
+      <p:nvGrpSpPr>
+        <p:cNvPr id="1" name=""/>
+        <p:cNvGrpSpPr/>
+        <p:nvPr/>
+      </p:nvGrpSpPr>
+      <p:grpSpPr>
+        <a:xfrm>
+          <a:off x="0" y="0"/>
+          <a:ext cx="0" cy="0"/>
+          <a:chOff x="0" y="0"/>
+          <a:chExt cx="0" cy="0"/>
+        </a:xfrm>
+      </p:grpSpPr>
+      <p:sp>
+        <p:nvSpPr>
+          <p:cNvPr id="2" name="Title 1"/>
+          <p:cNvSpPr>
+            <a:spLocks noGrp="1"/>
+          </p:cNvSpPr>
+          <p:nvPr>
+            <p:ph type="title"/>
+          </p:nvPr>
+        </p:nvSpPr>
+        <p:spPr/>
+        <p:txBody>
+          <a:bodyPr/>
+          <a:lstStyle/>
+          <a:p>
+            <a:pPr lvl="0" marL="0" indent="0">
+              <a:buNone/>
+            </a:pPr>
+            <a:r>
+              <a:rPr/>
+              <a:t>2.1</a:t>
+            </a:r>
+            <a:r>
+              <a:rPr/>
+              <a:t> </a:t>
+            </a:r>
+            <a:r>
+              <a:rPr/>
+              <a:t>Ökonomische</a:t>
+            </a:r>
+            <a:r>
+              <a:rPr/>
+              <a:t> </a:t>
+            </a:r>
+            <a:r>
+              <a:rPr/>
+              <a:t>Zielkonflikte</a:t>
+            </a:r>
+          </a:p>
+        </p:txBody>
+      </p:sp>
+      <p:sp>
+        <p:nvSpPr>
+          <p:cNvPr id="3" name="Content Placeholder 2"/>
+          <p:cNvSpPr>
+            <a:spLocks noGrp="1"/>
+          </p:cNvSpPr>
+          <p:nvPr>
+            <p:ph idx="1"/>
+          </p:nvPr>
+        </p:nvSpPr>
+        <p:spPr/>
+        <p:txBody>
+          <a:bodyPr/>
+          <a:lstStyle/>
+          <a:p>
+            <a:pPr lvl="0" marL="0" indent="0">
+              <a:buNone/>
+            </a:pPr>
+            <a:r>
+              <a:rPr/>
+              <a:t>was ist daaas?</a:t>
+            </a:r>
+          </a:p>
+        </p:txBody>
+      </p:sp>
+    </p:spTree>
+  </p:cSld>
+</p:sld>
+</file>
+
+<file path=ppt/slides/slide13.xml><?xml version="1.0" encoding="utf-8"?>
+<p:sld xmlns:a="http://schemas.openxmlformats.org/drawingml/2006/main" xmlns:r="http://schemas.openxmlformats.org/officeDocument/2006/relationships" xmlns:p="http://schemas.openxmlformats.org/presentationml/2006/main">
+  <p:cSld>
+    <p:spTree>
+      <p:nvGrpSpPr>
+        <p:cNvPr id="1" name=""/>
+        <p:cNvGrpSpPr/>
+        <p:nvPr/>
+      </p:nvGrpSpPr>
+      <p:grpSpPr>
+        <a:xfrm>
+          <a:off x="0" y="0"/>
+          <a:ext cx="0" cy="0"/>
+          <a:chOff x="0" y="0"/>
+          <a:chExt cx="0" cy="0"/>
+        </a:xfrm>
+      </p:grpSpPr>
+      <p:sp>
+        <p:nvSpPr>
+          <p:cNvPr id="2" name="Title 1"/>
+          <p:cNvSpPr>
+            <a:spLocks noGrp="1"/>
+          </p:cNvSpPr>
+          <p:nvPr>
+            <p:ph type="title"/>
+          </p:nvPr>
+        </p:nvSpPr>
         <p:spPr>
           <a:xfrm>
             <a:off x="722313" y="4406900"/>
@@ -3418,7 +3632,7 @@
               <a:rPr>
                 <a:hlinkClick r:id="rId2" action="ppaction://hlinksldjump"/>
               </a:rPr>
-              <a:t>1 Unternehmensvorstellung</a:t>
+              <a:t>1 Erfahrungsbereich Unternehmen und Beruf</a:t>
             </a:r>
           </a:p>
           <a:p>
@@ -3427,7 +3641,7 @@
               <a:rPr>
                 <a:hlinkClick r:id="rId3" action="ppaction://hlinksldjump"/>
               </a:rPr>
-              <a:t>1.1 Eckdaten</a:t>
+              <a:t>1.1 Unternehmensprofil</a:t>
             </a:r>
           </a:p>
           <a:p>
@@ -3445,16 +3659,16 @@
               <a:rPr>
                 <a:hlinkClick r:id="rId5" action="ppaction://hlinksldjump"/>
               </a:rPr>
-              <a:t>1.3 Aufbauorganisation</a:t>
-            </a:r>
-          </a:p>
-          <a:p>
-            <a:pPr lvl="1"/>
+              <a:t>1.3 Aus-und Weiterbildungsportfolio</a:t>
+            </a:r>
+          </a:p>
+          <a:p>
+            <a:pPr lvl="2"/>
             <a:r>
               <a:rPr>
                 <a:hlinkClick r:id="rId6" action="ppaction://hlinksldjump"/>
               </a:rPr>
-              <a:t>2 Betriebliche Handlungsalternativen</a:t>
+              <a:t>1.4 Aufbauorgaisation und Unternehmensstruktur</a:t>
             </a:r>
           </a:p>
           <a:p>
@@ -3463,14 +3677,41 @@
               <a:rPr>
                 <a:hlinkClick r:id="rId7" action="ppaction://hlinksldjump"/>
               </a:rPr>
-              <a:t>2.1 Ökonomische Zielkonflikte</a:t>
-            </a:r>
-          </a:p>
-          <a:p>
-            <a:pPr lvl="1"/>
+              <a:t>1.5 Betriebliche Handlungsalternativen</a:t>
+            </a:r>
+          </a:p>
+          <a:p>
+            <a:pPr lvl="2"/>
             <a:r>
               <a:rPr>
                 <a:hlinkClick r:id="rId8" action="ppaction://hlinksldjump"/>
+              </a:rPr>
+              <a:t>1.6 Betriebliche</a:t>
+            </a:r>
+          </a:p>
+          <a:p>
+            <a:pPr lvl="1"/>
+            <a:r>
+              <a:rPr>
+                <a:hlinkClick r:id="rId9" action="ppaction://hlinksldjump"/>
+              </a:rPr>
+              <a:t>2 Betriebliche Handlungsalternativen</a:t>
+            </a:r>
+          </a:p>
+          <a:p>
+            <a:pPr lvl="2"/>
+            <a:r>
+              <a:rPr>
+                <a:hlinkClick r:id="rId10" action="ppaction://hlinksldjump"/>
+              </a:rPr>
+              <a:t>2.1 Ökonomische Zielkonflikte</a:t>
+            </a:r>
+          </a:p>
+          <a:p>
+            <a:pPr lvl="1"/>
+            <a:r>
+              <a:rPr>
+                <a:hlinkClick r:id="rId11" action="ppaction://hlinksldjump"/>
               </a:rPr>
               <a:t>3 Literaturverzeichnis</a:t>
             </a:r>
@@ -3532,7 +3773,31 @@
             </a:r>
             <a:r>
               <a:rPr/>
-              <a:t>Unternehmensvorstellung</a:t>
+              <a:t>Erfahrungsbereich</a:t>
+            </a:r>
+            <a:r>
+              <a:rPr/>
+              <a:t> </a:t>
+            </a:r>
+            <a:r>
+              <a:rPr/>
+              <a:t>Unternehmen</a:t>
+            </a:r>
+            <a:r>
+              <a:rPr/>
+              <a:t> </a:t>
+            </a:r>
+            <a:r>
+              <a:rPr/>
+              <a:t>und</a:t>
+            </a:r>
+            <a:r>
+              <a:rPr/>
+              <a:t> </a:t>
+            </a:r>
+            <a:r>
+              <a:rPr/>
+              <a:t>Beruf</a:t>
             </a:r>
           </a:p>
         </p:txBody>
@@ -3693,7 +3958,7 @@
             </a:r>
             <a:r>
               <a:rPr/>
-              <a:t>Eckdaten</a:t>
+              <a:t>Unternehmensprofil</a:t>
             </a:r>
           </a:p>
         </p:txBody>
@@ -3716,14 +3981,14 @@
             <a:pPr lvl="1"/>
             <a:r>
               <a:rPr/>
-              <a:t>Anbieter von Aus- und Weiterbildungsdienstleistungen</a:t>
+              <a:t>Privater Anbieter von Aus- und Weiterbildungsdienstleistungen</a:t>
             </a:r>
           </a:p>
           <a:p>
             <a:pPr lvl="1"/>
             <a:r>
               <a:rPr/>
-              <a:t>Deutschlandweite 16 Schulungszentren</a:t>
+              <a:t>Deutschlandweite 16 Schulungszentren mit ca. 120 festen Mitarbeitern</a:t>
             </a:r>
           </a:p>
           <a:p>
@@ -3910,7 +4175,15 @@
             </a:r>
             <a:r>
               <a:rPr/>
-              <a:t>Aufbauorganisation</a:t>
+              <a:t>Aus-und</a:t>
+            </a:r>
+            <a:r>
+              <a:rPr/>
+              <a:t> </a:t>
+            </a:r>
+            <a:r>
+              <a:rPr/>
+              <a:t>Weiterbildungsportfolio</a:t>
             </a:r>
           </a:p>
         </p:txBody>
@@ -3933,21 +4206,21 @@
             <a:pPr lvl="1"/>
             <a:r>
               <a:rPr/>
-              <a:t>0</a:t>
+              <a:t>Umschulungen in insgesamt 8 statlich anerkannten Ausbildungsberufen</a:t>
             </a:r>
           </a:p>
           <a:p>
             <a:pPr lvl="1"/>
             <a:r>
               <a:rPr/>
-              <a:t>1</a:t>
+              <a:t>Berufliche Teilqualifikationen (MS Office und Datev)</a:t>
             </a:r>
           </a:p>
           <a:p>
             <a:pPr lvl="1"/>
             <a:r>
               <a:rPr/>
-              <a:t>2</a:t>
+              <a:t>Kooperationspartner für IHK Zertifizierungsprüfungen</a:t>
             </a:r>
           </a:p>
         </p:txBody>
@@ -3984,12 +4257,7 @@
             <p:ph type="title"/>
           </p:nvPr>
         </p:nvSpPr>
-        <p:spPr>
-          <a:xfrm>
-            <a:off x="722313" y="4406900"/>
-            <a:ext cx="7772400" cy="1362075"/>
-          </a:xfrm>
-        </p:spPr>
+        <p:spPr/>
         <p:txBody>
           <a:bodyPr/>
           <a:lstStyle/>
@@ -3999,7 +4267,7 @@
             </a:pPr>
             <a:r>
               <a:rPr/>
-              <a:t>2</a:t>
+              <a:t>1.4</a:t>
             </a:r>
             <a:r>
               <a:rPr/>
@@ -4007,7 +4275,7 @@
             </a:r>
             <a:r>
               <a:rPr/>
-              <a:t>Betriebliche</a:t>
+              <a:t>Aufbauorgaisation</a:t>
             </a:r>
             <a:r>
               <a:rPr/>
@@ -4015,7 +4283,45 @@
             </a:r>
             <a:r>
               <a:rPr/>
-              <a:t>Handlungsalternativen</a:t>
+              <a:t>und</a:t>
+            </a:r>
+            <a:r>
+              <a:rPr/>
+              <a:t> </a:t>
+            </a:r>
+            <a:r>
+              <a:rPr/>
+              <a:t>Unternehmensstruktur</a:t>
+            </a:r>
+          </a:p>
+        </p:txBody>
+      </p:sp>
+      <p:sp>
+        <p:nvSpPr>
+          <p:cNvPr id="3" name="Content Placeholder 2"/>
+          <p:cNvSpPr>
+            <a:spLocks noGrp="1"/>
+          </p:cNvSpPr>
+          <p:nvPr>
+            <p:ph idx="1"/>
+          </p:nvPr>
+        </p:nvSpPr>
+        <p:spPr/>
+        <p:txBody>
+          <a:bodyPr/>
+          <a:lstStyle/>
+          <a:p>
+            <a:pPr lvl="1"/>
+            <a:r>
+              <a:rPr/>
+              <a:t>Vor 2020: Dezentralisiertes Struktur, weitgehenst autarke Verwaltung der Standorte unter Dachverwaltung</a:t>
+            </a:r>
+          </a:p>
+          <a:p>
+            <a:pPr lvl="1"/>
+            <a:r>
+              <a:rPr/>
+              <a:t>Seit 2020: Strategische Neuorientierung aufgrund der neuen Rahmenbedingungen der Sars-Cov 2 Epidemie</a:t>
             </a:r>
           </a:p>
         </p:txBody>
@@ -4062,7 +4368,7 @@
             </a:pPr>
             <a:r>
               <a:rPr/>
-              <a:t>2.1</a:t>
+              <a:t>1.5</a:t>
             </a:r>
             <a:r>
               <a:rPr/>
@@ -4070,7 +4376,7 @@
             </a:r>
             <a:r>
               <a:rPr/>
-              <a:t>Ökonomische</a:t>
+              <a:t>Betriebliche</a:t>
             </a:r>
             <a:r>
               <a:rPr/>
@@ -4078,7 +4384,7 @@
             </a:r>
             <a:r>
               <a:rPr/>
-              <a:t>Zielkonflikte</a:t>
+              <a:t>Handlungsalternativen</a:t>
             </a:r>
           </a:p>
         </p:txBody>
@@ -4098,12 +4404,24 @@
           <a:bodyPr/>
           <a:lstStyle/>
           <a:p>
-            <a:pPr lvl="0" marL="0" indent="0">
-              <a:buNone/>
-            </a:pPr>
-            <a:r>
-              <a:rPr/>
-              <a:t>was ist daaas?</a:t>
+            <a:pPr lvl="1"/>
+            <a:r>
+              <a:rPr/>
+              <a:t>Privatwirtschaftlich, d.h. primär profitorientierte Ausrichtung des Unternehmens</a:t>
+            </a:r>
+          </a:p>
+          <a:p>
+            <a:pPr lvl="1"/>
+            <a:r>
+              <a:rPr/>
+              <a:t>Zielkonflikt zu pädagogischen/sozialen Verantwortung?</a:t>
+            </a:r>
+          </a:p>
+          <a:p>
+            <a:pPr lvl="1"/>
+            <a:r>
+              <a:rPr/>
+              <a:t>Primäre (innerbetriebliche) Erfolgskennzahl: Arbeitsvermittlungsquote!</a:t>
             </a:r>
           </a:p>
         </p:txBody>

--- a/praktikum/praesentation/praesentation.pptx
+++ b/praktikum/praesentation/praesentation.pptx
@@ -1,6 +1,6 @@
 
 <file path=ppt/presentation.xml><?xml version="1.0" encoding="utf-8"?>
-<p:presentation xmlns:a="http://schemas.openxmlformats.org/drawingml/2006/main" xmlns:r="http://schemas.openxmlformats.org/officeDocument/2006/relationships" xmlns:p="http://schemas.openxmlformats.org/presentationml/2006/main" saveSubsetFonts="1" autoCompressPictures="0">
+<p:presentation xmlns:a="http://schemas.openxmlformats.org/drawingml/2006/main" xmlns:p="http://schemas.openxmlformats.org/presentationml/2006/main" xmlns:r="http://schemas.openxmlformats.org/officeDocument/2006/relationships" autoCompressPictures="0" saveSubsetFonts="1">
   <p:sldMasterIdLst>
     <p:sldMasterId id="2147483648" r:id="rId1"/>
   </p:sldMasterIdLst>
@@ -22,8 +22,8 @@
     <a:defPPr>
       <a:defRPr lang="en-US"/>
     </a:defPPr>
-    <a:lvl1pPr marL="0" algn="l" defTabSz="457200" rtl="0" eaLnBrk="1" latinLnBrk="0" hangingPunct="1">
-      <a:defRPr sz="1800" kern="1200">
+    <a:lvl1pPr algn="l" defTabSz="457200" eaLnBrk="1" hangingPunct="1" latinLnBrk="0" marL="0" rtl="0">
+      <a:defRPr kern="1200" sz="1800">
         <a:solidFill>
           <a:schemeClr val="tx1"/>
         </a:solidFill>
@@ -32,8 +32,8 @@
         <a:cs typeface="+mn-cs"/>
       </a:defRPr>
     </a:lvl1pPr>
-    <a:lvl2pPr marL="457200" algn="l" defTabSz="457200" rtl="0" eaLnBrk="1" latinLnBrk="0" hangingPunct="1">
-      <a:defRPr sz="1800" kern="1200">
+    <a:lvl2pPr algn="l" defTabSz="457200" eaLnBrk="1" hangingPunct="1" latinLnBrk="0" marL="457200" rtl="0">
+      <a:defRPr kern="1200" sz="1800">
         <a:solidFill>
           <a:schemeClr val="tx1"/>
         </a:solidFill>
@@ -42,8 +42,8 @@
         <a:cs typeface="+mn-cs"/>
       </a:defRPr>
     </a:lvl2pPr>
-    <a:lvl3pPr marL="914400" algn="l" defTabSz="457200" rtl="0" eaLnBrk="1" latinLnBrk="0" hangingPunct="1">
-      <a:defRPr sz="1800" kern="1200">
+    <a:lvl3pPr algn="l" defTabSz="457200" eaLnBrk="1" hangingPunct="1" latinLnBrk="0" marL="914400" rtl="0">
+      <a:defRPr kern="1200" sz="1800">
         <a:solidFill>
           <a:schemeClr val="tx1"/>
         </a:solidFill>
@@ -52,8 +52,8 @@
         <a:cs typeface="+mn-cs"/>
       </a:defRPr>
     </a:lvl3pPr>
-    <a:lvl4pPr marL="1371600" algn="l" defTabSz="457200" rtl="0" eaLnBrk="1" latinLnBrk="0" hangingPunct="1">
-      <a:defRPr sz="1800" kern="1200">
+    <a:lvl4pPr algn="l" defTabSz="457200" eaLnBrk="1" hangingPunct="1" latinLnBrk="0" marL="1371600" rtl="0">
+      <a:defRPr kern="1200" sz="1800">
         <a:solidFill>
           <a:schemeClr val="tx1"/>
         </a:solidFill>
@@ -62,8 +62,8 @@
         <a:cs typeface="+mn-cs"/>
       </a:defRPr>
     </a:lvl4pPr>
-    <a:lvl5pPr marL="1828800" algn="l" defTabSz="457200" rtl="0" eaLnBrk="1" latinLnBrk="0" hangingPunct="1">
-      <a:defRPr sz="1800" kern="1200">
+    <a:lvl5pPr algn="l" defTabSz="457200" eaLnBrk="1" hangingPunct="1" latinLnBrk="0" marL="1828800" rtl="0">
+      <a:defRPr kern="1200" sz="1800">
         <a:solidFill>
           <a:schemeClr val="tx1"/>
         </a:solidFill>
@@ -72,8 +72,8 @@
         <a:cs typeface="+mn-cs"/>
       </a:defRPr>
     </a:lvl5pPr>
-    <a:lvl6pPr marL="2286000" algn="l" defTabSz="457200" rtl="0" eaLnBrk="1" latinLnBrk="0" hangingPunct="1">
-      <a:defRPr sz="1800" kern="1200">
+    <a:lvl6pPr algn="l" defTabSz="457200" eaLnBrk="1" hangingPunct="1" latinLnBrk="0" marL="2286000" rtl="0">
+      <a:defRPr kern="1200" sz="1800">
         <a:solidFill>
           <a:schemeClr val="tx1"/>
         </a:solidFill>
@@ -82,8 +82,8 @@
         <a:cs typeface="+mn-cs"/>
       </a:defRPr>
     </a:lvl6pPr>
-    <a:lvl7pPr marL="2743200" algn="l" defTabSz="457200" rtl="0" eaLnBrk="1" latinLnBrk="0" hangingPunct="1">
-      <a:defRPr sz="1800" kern="1200">
+    <a:lvl7pPr algn="l" defTabSz="457200" eaLnBrk="1" hangingPunct="1" latinLnBrk="0" marL="2743200" rtl="0">
+      <a:defRPr kern="1200" sz="1800">
         <a:solidFill>
           <a:schemeClr val="tx1"/>
         </a:solidFill>
@@ -92,8 +92,8 @@
         <a:cs typeface="+mn-cs"/>
       </a:defRPr>
     </a:lvl7pPr>
-    <a:lvl8pPr marL="3200400" algn="l" defTabSz="457200" rtl="0" eaLnBrk="1" latinLnBrk="0" hangingPunct="1">
-      <a:defRPr sz="1800" kern="1200">
+    <a:lvl8pPr algn="l" defTabSz="457200" eaLnBrk="1" hangingPunct="1" latinLnBrk="0" marL="3200400" rtl="0">
+      <a:defRPr kern="1200" sz="1800">
         <a:solidFill>
           <a:schemeClr val="tx1"/>
         </a:solidFill>
@@ -102,8 +102,8 @@
         <a:cs typeface="+mn-cs"/>
       </a:defRPr>
     </a:lvl8pPr>
-    <a:lvl9pPr marL="3657600" algn="l" defTabSz="457200" rtl="0" eaLnBrk="1" latinLnBrk="0" hangingPunct="1">
-      <a:defRPr sz="1800" kern="1200">
+    <a:lvl9pPr algn="l" defTabSz="457200" eaLnBrk="1" hangingPunct="1" latinLnBrk="0" marL="3657600" rtl="0">
+      <a:defRPr kern="1200" sz="1800">
         <a:solidFill>
           <a:schemeClr val="tx1"/>
         </a:solidFill>
@@ -313,7 +313,7 @@
           <a:p>
             <a:fld id="{241EB5C9-1307-BA42-ABA2-0BC069CD8E7F}" type="datetimeFigureOut">
               <a:rPr lang="en-US" smtClean="0"/>
-              <a:t>2/17/2018</a:t>
+              <a:t>4/5/2019</a:t>
             </a:fld>
             <a:endParaRPr lang="en-US"/>
           </a:p>
@@ -483,7 +483,7 @@
           <a:p>
             <a:fld id="{241EB5C9-1307-BA42-ABA2-0BC069CD8E7F}" type="datetimeFigureOut">
               <a:rPr lang="en-US" smtClean="0"/>
-              <a:t>2/17/2018</a:t>
+              <a:t>4/5/2019</a:t>
             </a:fld>
             <a:endParaRPr lang="en-US"/>
           </a:p>
@@ -663,7 +663,7 @@
           <a:p>
             <a:fld id="{241EB5C9-1307-BA42-ABA2-0BC069CD8E7F}" type="datetimeFigureOut">
               <a:rPr lang="en-US" smtClean="0"/>
-              <a:t>2/17/2018</a:t>
+              <a:t>4/5/2019</a:t>
             </a:fld>
             <a:endParaRPr lang="en-US"/>
           </a:p>
@@ -833,7 +833,7 @@
           <a:p>
             <a:fld id="{241EB5C9-1307-BA42-ABA2-0BC069CD8E7F}" type="datetimeFigureOut">
               <a:rPr lang="en-US" smtClean="0"/>
-              <a:t>2/17/2018</a:t>
+              <a:t>4/5/2019</a:t>
             </a:fld>
             <a:endParaRPr lang="en-US"/>
           </a:p>
@@ -1079,7 +1079,7 @@
           <a:p>
             <a:fld id="{241EB5C9-1307-BA42-ABA2-0BC069CD8E7F}" type="datetimeFigureOut">
               <a:rPr lang="en-US" smtClean="0"/>
-              <a:t>2/17/2018</a:t>
+              <a:t>4/5/2019</a:t>
             </a:fld>
             <a:endParaRPr lang="en-US"/>
           </a:p>
@@ -1367,7 +1367,7 @@
           <a:p>
             <a:fld id="{241EB5C9-1307-BA42-ABA2-0BC069CD8E7F}" type="datetimeFigureOut">
               <a:rPr lang="en-US" smtClean="0"/>
-              <a:t>2/17/2018</a:t>
+              <a:t>4/5/2019</a:t>
             </a:fld>
             <a:endParaRPr lang="en-US"/>
           </a:p>
@@ -1789,7 +1789,7 @@
           <a:p>
             <a:fld id="{241EB5C9-1307-BA42-ABA2-0BC069CD8E7F}" type="datetimeFigureOut">
               <a:rPr lang="en-US" smtClean="0"/>
-              <a:t>2/17/2018</a:t>
+              <a:t>4/5/2019</a:t>
             </a:fld>
             <a:endParaRPr lang="en-US"/>
           </a:p>
@@ -1907,7 +1907,7 @@
           <a:p>
             <a:fld id="{241EB5C9-1307-BA42-ABA2-0BC069CD8E7F}" type="datetimeFigureOut">
               <a:rPr lang="en-US" smtClean="0"/>
-              <a:t>2/17/2018</a:t>
+              <a:t>4/5/2019</a:t>
             </a:fld>
             <a:endParaRPr lang="en-US"/>
           </a:p>
@@ -2002,7 +2002,7 @@
           <a:p>
             <a:fld id="{241EB5C9-1307-BA42-ABA2-0BC069CD8E7F}" type="datetimeFigureOut">
               <a:rPr lang="en-US" smtClean="0"/>
-              <a:t>2/17/2018</a:t>
+              <a:t>4/5/2019</a:t>
             </a:fld>
             <a:endParaRPr lang="en-US"/>
           </a:p>
@@ -2279,7 +2279,7 @@
           <a:p>
             <a:fld id="{241EB5C9-1307-BA42-ABA2-0BC069CD8E7F}" type="datetimeFigureOut">
               <a:rPr lang="en-US" smtClean="0"/>
-              <a:t>2/17/2018</a:t>
+              <a:t>4/5/2019</a:t>
             </a:fld>
             <a:endParaRPr lang="en-US"/>
           </a:p>
@@ -2532,7 +2532,7 @@
           <a:p>
             <a:fld id="{241EB5C9-1307-BA42-ABA2-0BC069CD8E7F}" type="datetimeFigureOut">
               <a:rPr lang="en-US" smtClean="0"/>
-              <a:t>2/17/2018</a:t>
+              <a:t>4/5/2019</a:t>
             </a:fld>
             <a:endParaRPr lang="en-US"/>
           </a:p>
@@ -2594,7 +2594,7 @@
 </file>
 
 <file path=ppt/slideMasters/slideMaster1.xml><?xml version="1.0" encoding="utf-8"?>
-<p:sldMaster xmlns:a="http://schemas.openxmlformats.org/drawingml/2006/main" xmlns:r="http://schemas.openxmlformats.org/officeDocument/2006/relationships" xmlns:p="http://schemas.openxmlformats.org/presentationml/2006/main">
+<p:sldMaster xmlns:a="http://schemas.openxmlformats.org/drawingml/2006/main" xmlns:p="http://schemas.openxmlformats.org/presentationml/2006/main" xmlns:r="http://schemas.openxmlformats.org/officeDocument/2006/relationships">
   <p:cSld>
     <p:bg>
       <p:bgRef idx="1001">
@@ -2635,7 +2635,7 @@
           </a:prstGeom>
         </p:spPr>
         <p:txBody>
-          <a:bodyPr vert="horz" lIns="91440" tIns="45720" rIns="91440" bIns="45720" rtlCol="0" anchor="ctr">
+          <a:bodyPr anchor="ctr" bIns="45720" lIns="91440" rIns="91440" rtlCol="0" tIns="45720" vert="horz">
             <a:normAutofit/>
           </a:bodyPr>
           <a:lstStyle/>
@@ -2655,7 +2655,7 @@
             <a:spLocks noGrp="1"/>
           </p:cNvSpPr>
           <p:nvPr>
-            <p:ph type="body" idx="1"/>
+            <p:ph idx="1" type="body"/>
           </p:nvPr>
         </p:nvSpPr>
         <p:spPr>
@@ -2668,7 +2668,7 @@
           </a:prstGeom>
         </p:spPr>
         <p:txBody>
-          <a:bodyPr vert="horz" lIns="91440" tIns="45720" rIns="91440" bIns="45720" rtlCol="0">
+          <a:bodyPr bIns="45720" lIns="91440" rIns="91440" rtlCol="0" tIns="45720" vert="horz">
             <a:normAutofit/>
           </a:bodyPr>
           <a:lstStyle/>
@@ -2717,7 +2717,7 @@
             <a:spLocks noGrp="1"/>
           </p:cNvSpPr>
           <p:nvPr>
-            <p:ph type="dt" sz="half" idx="2"/>
+            <p:ph idx="2" sz="half" type="dt"/>
           </p:nvPr>
         </p:nvSpPr>
         <p:spPr>
@@ -2730,7 +2730,7 @@
           </a:prstGeom>
         </p:spPr>
         <p:txBody>
-          <a:bodyPr vert="horz" lIns="91440" tIns="45720" rIns="91440" bIns="45720" rtlCol="0" anchor="ctr"/>
+          <a:bodyPr anchor="ctr" bIns="45720" lIns="91440" rIns="91440" rtlCol="0" tIns="45720" vert="horz"/>
           <a:lstStyle>
             <a:lvl1pPr algn="l">
               <a:defRPr sz="1200">
@@ -2745,7 +2745,7 @@
           <a:p>
             <a:fld id="{241EB5C9-1307-BA42-ABA2-0BC069CD8E7F}" type="datetimeFigureOut">
               <a:rPr lang="en-US" smtClean="0"/>
-              <a:t>2/17/2018</a:t>
+              <a:t>4/5/2019</a:t>
             </a:fld>
             <a:endParaRPr lang="en-US"/>
           </a:p>
@@ -2758,7 +2758,7 @@
             <a:spLocks noGrp="1"/>
           </p:cNvSpPr>
           <p:nvPr>
-            <p:ph type="ftr" sz="quarter" idx="3"/>
+            <p:ph idx="3" sz="quarter" type="ftr"/>
           </p:nvPr>
         </p:nvSpPr>
         <p:spPr>
@@ -2771,7 +2771,7 @@
           </a:prstGeom>
         </p:spPr>
         <p:txBody>
-          <a:bodyPr vert="horz" lIns="91440" tIns="45720" rIns="91440" bIns="45720" rtlCol="0" anchor="ctr"/>
+          <a:bodyPr anchor="ctr" bIns="45720" lIns="91440" rIns="91440" rtlCol="0" tIns="45720" vert="horz"/>
           <a:lstStyle>
             <a:lvl1pPr algn="ctr">
               <a:defRPr sz="1200">
@@ -2795,7 +2795,7 @@
             <a:spLocks noGrp="1"/>
           </p:cNvSpPr>
           <p:nvPr>
-            <p:ph type="sldNum" sz="quarter" idx="4"/>
+            <p:ph idx="4" sz="quarter" type="sldNum"/>
           </p:nvPr>
         </p:nvSpPr>
         <p:spPr>
@@ -2808,7 +2808,7 @@
           </a:prstGeom>
         </p:spPr>
         <p:txBody>
-          <a:bodyPr vert="horz" lIns="91440" tIns="45720" rIns="91440" bIns="45720" rtlCol="0" anchor="ctr"/>
+          <a:bodyPr anchor="ctr" bIns="45720" lIns="91440" rIns="91440" rtlCol="0" tIns="45720" vert="horz"/>
           <a:lstStyle>
             <a:lvl1pPr algn="r">
               <a:defRPr sz="1200">
@@ -2836,7 +2836,7 @@
       </p:ext>
     </p:extLst>
   </p:cSld>
-  <p:clrMap bg1="lt1" tx1="dk1" bg2="lt2" tx2="dk2" accent1="accent1" accent2="accent2" accent3="accent3" accent4="accent4" accent5="accent5" accent6="accent6" hlink="hlink" folHlink="folHlink"/>
+  <p:clrMap accent1="accent1" accent2="accent2" accent3="accent3" accent4="accent4" accent5="accent5" accent6="accent6" bg1="lt1" bg2="lt2" folHlink="folHlink" hlink="hlink" tx1="dk1" tx2="dk2"/>
   <p:sldLayoutIdLst>
     <p:sldLayoutId id="2147483649" r:id="rId1"/>
     <p:sldLayoutId id="2147483650" r:id="rId2"/>
@@ -2852,12 +2852,12 @@
   </p:sldLayoutIdLst>
   <p:txStyles>
     <p:titleStyle>
-      <a:lvl1pPr algn="ctr" defTabSz="457200" rtl="0" eaLnBrk="1" latinLnBrk="0" hangingPunct="1">
+      <a:lvl1pPr algn="ctr" defTabSz="457200" eaLnBrk="1" hangingPunct="1" latinLnBrk="0" rtl="0">
         <a:spcBef>
           <a:spcPct val="0"/>
         </a:spcBef>
         <a:buNone/>
-        <a:defRPr sz="4400" kern="1200">
+        <a:defRPr kern="1200" sz="4400">
           <a:solidFill>
             <a:schemeClr val="tx1"/>
           </a:solidFill>
@@ -2868,13 +2868,13 @@
       </a:lvl1pPr>
     </p:titleStyle>
     <p:bodyStyle>
-      <a:lvl1pPr marL="342900" indent="-342900" algn="l" defTabSz="457200" rtl="0" eaLnBrk="1" latinLnBrk="0" hangingPunct="1">
+      <a:lvl1pPr algn="l" defTabSz="457200" eaLnBrk="1" hangingPunct="1" indent="-457200" latinLnBrk="0" marL="457200" rtl="0">
         <a:spcBef>
           <a:spcPct val="20000"/>
         </a:spcBef>
         <a:buFont typeface="Arial"/>
         <a:buChar char="•"/>
-        <a:defRPr sz="3200" kern="1200">
+        <a:defRPr kern="1200" sz="3200">
           <a:solidFill>
             <a:schemeClr val="tx1"/>
           </a:solidFill>
@@ -2883,13 +2883,13 @@
           <a:cs typeface="+mn-cs"/>
         </a:defRPr>
       </a:lvl1pPr>
-      <a:lvl2pPr marL="742950" indent="-285750" algn="l" defTabSz="457200" rtl="0" eaLnBrk="1" latinLnBrk="0" hangingPunct="1">
+      <a:lvl2pPr algn="l" defTabSz="457200" eaLnBrk="1" hangingPunct="1" indent="-457200" latinLnBrk="0" marL="914400" rtl="0">
         <a:spcBef>
           <a:spcPct val="20000"/>
         </a:spcBef>
         <a:buFont typeface="Arial"/>
         <a:buChar char="–"/>
-        <a:defRPr sz="2800" kern="1200">
+        <a:defRPr kern="1200" sz="2800">
           <a:solidFill>
             <a:schemeClr val="tx1"/>
           </a:solidFill>
@@ -2898,13 +2898,13 @@
           <a:cs typeface="+mn-cs"/>
         </a:defRPr>
       </a:lvl2pPr>
-      <a:lvl3pPr marL="1143000" indent="-228600" algn="l" defTabSz="457200" rtl="0" eaLnBrk="1" latinLnBrk="0" hangingPunct="1">
+      <a:lvl3pPr algn="l" defTabSz="457200" eaLnBrk="1" hangingPunct="1" indent="-457200" latinLnBrk="0" marL="1371600" rtl="0">
         <a:spcBef>
           <a:spcPct val="20000"/>
         </a:spcBef>
         <a:buFont typeface="Arial"/>
         <a:buChar char="•"/>
-        <a:defRPr sz="2400" kern="1200">
+        <a:defRPr kern="1200" sz="2400">
           <a:solidFill>
             <a:schemeClr val="tx1"/>
           </a:solidFill>
@@ -2913,13 +2913,13 @@
           <a:cs typeface="+mn-cs"/>
         </a:defRPr>
       </a:lvl3pPr>
-      <a:lvl4pPr marL="1600200" indent="-228600" algn="l" defTabSz="457200" rtl="0" eaLnBrk="1" latinLnBrk="0" hangingPunct="1">
+      <a:lvl4pPr algn="l" defTabSz="457200" eaLnBrk="1" hangingPunct="1" indent="-457200" latinLnBrk="0" marL="1828800" rtl="0">
         <a:spcBef>
           <a:spcPct val="20000"/>
         </a:spcBef>
         <a:buFont typeface="Arial"/>
         <a:buChar char="–"/>
-        <a:defRPr sz="2000" kern="1200">
+        <a:defRPr kern="1200" sz="2000">
           <a:solidFill>
             <a:schemeClr val="tx1"/>
           </a:solidFill>
@@ -2928,13 +2928,13 @@
           <a:cs typeface="+mn-cs"/>
         </a:defRPr>
       </a:lvl4pPr>
-      <a:lvl5pPr marL="2057400" indent="-228600" algn="l" defTabSz="457200" rtl="0" eaLnBrk="1" latinLnBrk="0" hangingPunct="1">
+      <a:lvl5pPr algn="l" defTabSz="457200" eaLnBrk="1" hangingPunct="1" indent="-457200" latinLnBrk="0" marL="2286000" rtl="0">
         <a:spcBef>
           <a:spcPct val="20000"/>
         </a:spcBef>
         <a:buFont typeface="Arial"/>
         <a:buChar char="»"/>
-        <a:defRPr sz="2000" kern="1200">
+        <a:defRPr kern="1200" sz="2000">
           <a:solidFill>
             <a:schemeClr val="tx1"/>
           </a:solidFill>
@@ -2943,13 +2943,13 @@
           <a:cs typeface="+mn-cs"/>
         </a:defRPr>
       </a:lvl5pPr>
-      <a:lvl6pPr marL="2514600" indent="-228600" algn="l" defTabSz="457200" rtl="0" eaLnBrk="1" latinLnBrk="0" hangingPunct="1">
+      <a:lvl6pPr algn="l" defTabSz="457200" eaLnBrk="1" hangingPunct="1" indent="-457200" latinLnBrk="0" marL="2743200" rtl="0">
         <a:spcBef>
           <a:spcPct val="20000"/>
         </a:spcBef>
         <a:buFont typeface="Arial"/>
         <a:buChar char="•"/>
-        <a:defRPr sz="2000" kern="1200">
+        <a:defRPr kern="1200" sz="2000">
           <a:solidFill>
             <a:schemeClr val="tx1"/>
           </a:solidFill>
@@ -2958,13 +2958,13 @@
           <a:cs typeface="+mn-cs"/>
         </a:defRPr>
       </a:lvl6pPr>
-      <a:lvl7pPr marL="2971800" indent="-228600" algn="l" defTabSz="457200" rtl="0" eaLnBrk="1" latinLnBrk="0" hangingPunct="1">
+      <a:lvl7pPr algn="l" defTabSz="457200" eaLnBrk="1" hangingPunct="1" indent="-457200" latinLnBrk="0" marL="3200400" rtl="0">
         <a:spcBef>
           <a:spcPct val="20000"/>
         </a:spcBef>
         <a:buFont typeface="Arial"/>
         <a:buChar char="•"/>
-        <a:defRPr sz="2000" kern="1200">
+        <a:defRPr kern="1200" sz="2000">
           <a:solidFill>
             <a:schemeClr val="tx1"/>
           </a:solidFill>
@@ -2973,13 +2973,13 @@
           <a:cs typeface="+mn-cs"/>
         </a:defRPr>
       </a:lvl7pPr>
-      <a:lvl8pPr marL="3429000" indent="-228600" algn="l" defTabSz="457200" rtl="0" eaLnBrk="1" latinLnBrk="0" hangingPunct="1">
+      <a:lvl8pPr algn="l" defTabSz="457200" eaLnBrk="1" hangingPunct="1" indent="-457200" latinLnBrk="0" marL="3657600" rtl="0">
         <a:spcBef>
           <a:spcPct val="20000"/>
         </a:spcBef>
         <a:buFont typeface="Arial"/>
         <a:buChar char="•"/>
-        <a:defRPr sz="2000" kern="1200">
+        <a:defRPr kern="1200" sz="2000">
           <a:solidFill>
             <a:schemeClr val="tx1"/>
           </a:solidFill>
@@ -2988,13 +2988,13 @@
           <a:cs typeface="+mn-cs"/>
         </a:defRPr>
       </a:lvl8pPr>
-      <a:lvl9pPr marL="3886200" indent="-228600" algn="l" defTabSz="457200" rtl="0" eaLnBrk="1" latinLnBrk="0" hangingPunct="1">
+      <a:lvl9pPr algn="l" defTabSz="457200" eaLnBrk="1" hangingPunct="1" indent="-457200" latinLnBrk="0" marL="4114800" rtl="0">
         <a:spcBef>
           <a:spcPct val="20000"/>
         </a:spcBef>
         <a:buFont typeface="Arial"/>
         <a:buChar char="•"/>
-        <a:defRPr sz="2000" kern="1200">
+        <a:defRPr kern="1200" sz="2000">
           <a:solidFill>
             <a:schemeClr val="tx1"/>
           </a:solidFill>
@@ -3008,8 +3008,8 @@
       <a:defPPr>
         <a:defRPr lang="en-US"/>
       </a:defPPr>
-      <a:lvl1pPr marL="0" algn="l" defTabSz="457200" rtl="0" eaLnBrk="1" latinLnBrk="0" hangingPunct="1">
-        <a:defRPr sz="1800" kern="1200">
+      <a:lvl1pPr algn="l" defTabSz="457200" eaLnBrk="1" hangingPunct="1" latinLnBrk="0" marL="0" rtl="0">
+        <a:defRPr kern="1200" sz="1800">
           <a:solidFill>
             <a:schemeClr val="tx1"/>
           </a:solidFill>
@@ -3018,8 +3018,8 @@
           <a:cs typeface="+mn-cs"/>
         </a:defRPr>
       </a:lvl1pPr>
-      <a:lvl2pPr marL="457200" algn="l" defTabSz="457200" rtl="0" eaLnBrk="1" latinLnBrk="0" hangingPunct="1">
-        <a:defRPr sz="1800" kern="1200">
+      <a:lvl2pPr algn="l" defTabSz="457200" eaLnBrk="1" hangingPunct="1" latinLnBrk="0" marL="457200" rtl="0">
+        <a:defRPr kern="1200" sz="1800">
           <a:solidFill>
             <a:schemeClr val="tx1"/>
           </a:solidFill>
@@ -3028,8 +3028,8 @@
           <a:cs typeface="+mn-cs"/>
         </a:defRPr>
       </a:lvl2pPr>
-      <a:lvl3pPr marL="914400" algn="l" defTabSz="457200" rtl="0" eaLnBrk="1" latinLnBrk="0" hangingPunct="1">
-        <a:defRPr sz="1800" kern="1200">
+      <a:lvl3pPr algn="l" defTabSz="457200" eaLnBrk="1" hangingPunct="1" latinLnBrk="0" marL="914400" rtl="0">
+        <a:defRPr kern="1200" sz="1800">
           <a:solidFill>
             <a:schemeClr val="tx1"/>
           </a:solidFill>
@@ -3038,8 +3038,8 @@
           <a:cs typeface="+mn-cs"/>
         </a:defRPr>
       </a:lvl3pPr>
-      <a:lvl4pPr marL="1371600" algn="l" defTabSz="457200" rtl="0" eaLnBrk="1" latinLnBrk="0" hangingPunct="1">
-        <a:defRPr sz="1800" kern="1200">
+      <a:lvl4pPr algn="l" defTabSz="457200" eaLnBrk="1" hangingPunct="1" latinLnBrk="0" marL="1371600" rtl="0">
+        <a:defRPr kern="1200" sz="1800">
           <a:solidFill>
             <a:schemeClr val="tx1"/>
           </a:solidFill>
@@ -3048,8 +3048,8 @@
           <a:cs typeface="+mn-cs"/>
         </a:defRPr>
       </a:lvl4pPr>
-      <a:lvl5pPr marL="1828800" algn="l" defTabSz="457200" rtl="0" eaLnBrk="1" latinLnBrk="0" hangingPunct="1">
-        <a:defRPr sz="1800" kern="1200">
+      <a:lvl5pPr algn="l" defTabSz="457200" eaLnBrk="1" hangingPunct="1" latinLnBrk="0" marL="1828800" rtl="0">
+        <a:defRPr kern="1200" sz="1800">
           <a:solidFill>
             <a:schemeClr val="tx1"/>
           </a:solidFill>
@@ -3058,8 +3058,8 @@
           <a:cs typeface="+mn-cs"/>
         </a:defRPr>
       </a:lvl5pPr>
-      <a:lvl6pPr marL="2286000" algn="l" defTabSz="457200" rtl="0" eaLnBrk="1" latinLnBrk="0" hangingPunct="1">
-        <a:defRPr sz="1800" kern="1200">
+      <a:lvl6pPr algn="l" defTabSz="457200" eaLnBrk="1" hangingPunct="1" latinLnBrk="0" marL="2286000" rtl="0">
+        <a:defRPr kern="1200" sz="1800">
           <a:solidFill>
             <a:schemeClr val="tx1"/>
           </a:solidFill>
@@ -3068,8 +3068,8 @@
           <a:cs typeface="+mn-cs"/>
         </a:defRPr>
       </a:lvl6pPr>
-      <a:lvl7pPr marL="2743200" algn="l" defTabSz="457200" rtl="0" eaLnBrk="1" latinLnBrk="0" hangingPunct="1">
-        <a:defRPr sz="1800" kern="1200">
+      <a:lvl7pPr algn="l" defTabSz="457200" eaLnBrk="1" hangingPunct="1" latinLnBrk="0" marL="2743200" rtl="0">
+        <a:defRPr kern="1200" sz="1800">
           <a:solidFill>
             <a:schemeClr val="tx1"/>
           </a:solidFill>
@@ -3078,8 +3078,8 @@
           <a:cs typeface="+mn-cs"/>
         </a:defRPr>
       </a:lvl7pPr>
-      <a:lvl8pPr marL="3200400" algn="l" defTabSz="457200" rtl="0" eaLnBrk="1" latinLnBrk="0" hangingPunct="1">
-        <a:defRPr sz="1800" kern="1200">
+      <a:lvl8pPr algn="l" defTabSz="457200" eaLnBrk="1" hangingPunct="1" latinLnBrk="0" marL="3200400" rtl="0">
+        <a:defRPr kern="1200" sz="1800">
           <a:solidFill>
             <a:schemeClr val="tx1"/>
           </a:solidFill>
@@ -3088,8 +3088,8 @@
           <a:cs typeface="+mn-cs"/>
         </a:defRPr>
       </a:lvl8pPr>
-      <a:lvl9pPr marL="3657600" algn="l" defTabSz="457200" rtl="0" eaLnBrk="1" latinLnBrk="0" hangingPunct="1">
-        <a:defRPr sz="1800" kern="1200">
+      <a:lvl9pPr algn="l" defTabSz="457200" eaLnBrk="1" hangingPunct="1" latinLnBrk="0" marL="3657600" rtl="0">
+        <a:defRPr kern="1200" sz="1800">
           <a:solidFill>
             <a:schemeClr val="tx1"/>
           </a:solidFill>
@@ -3140,36 +3140,12 @@
           <a:bodyPr/>
           <a:lstStyle/>
           <a:p>
-            <a:pPr lvl="0" marL="0" indent="0">
+            <a:pPr lvl="0" indent="0" marL="0">
               <a:buNone/>
             </a:pPr>
             <a:r>
               <a:rPr/>
-              <a:t>Betriebspraktikum</a:t>
-            </a:r>
-            <a:r>
-              <a:rPr/>
-              <a:t> </a:t>
-            </a:r>
-            <a:r>
-              <a:rPr/>
-              <a:t>-</a:t>
-            </a:r>
-            <a:r>
-              <a:rPr/>
-              <a:t> </a:t>
-            </a:r>
-            <a:r>
-              <a:rPr/>
-              <a:t>M.Sc.</a:t>
-            </a:r>
-            <a:r>
-              <a:rPr/>
-              <a:t> </a:t>
-            </a:r>
-            <a:r>
-              <a:rPr/>
-              <a:t>Wirtschaftspädagogik</a:t>
+              <a:t>Betriebspraktikum - M.Sc. Wirtschaftspädagogik</a:t>
             </a:r>
           </a:p>
         </p:txBody>
@@ -3181,7 +3157,7 @@
             <a:spLocks noGrp="1"/>
           </p:cNvSpPr>
           <p:nvPr>
-            <p:ph type="subTitle" idx="1"/>
+            <p:ph idx="1" type="subTitle"/>
           </p:nvPr>
         </p:nvSpPr>
         <p:spPr>
@@ -3194,74 +3170,18 @@
           <a:bodyPr/>
           <a:lstStyle/>
           <a:p>
-            <a:pPr lvl="0" marL="0" indent="0">
+            <a:pPr lvl="0" indent="0" marL="0">
               <a:buNone/>
             </a:pPr>
             <a:r>
               <a:rPr/>
-              <a:t>Kölner</a:t>
-            </a:r>
-            <a:r>
-              <a:rPr/>
-              <a:t> </a:t>
-            </a:r>
-            <a:r>
-              <a:rPr/>
-              <a:t>Wirtschaftsfachschule</a:t>
-            </a:r>
-            <a:r>
-              <a:rPr/>
-              <a:t> </a:t>
-            </a:r>
-            <a:r>
-              <a:rPr/>
-              <a:t>-</a:t>
-            </a:r>
-            <a:r>
-              <a:rPr/>
-              <a:t> </a:t>
-            </a:r>
-            <a:r>
-              <a:rPr/>
-              <a:t>Wifa</a:t>
-            </a:r>
-            <a:r>
-              <a:rPr/>
-              <a:t> </a:t>
-            </a:r>
-            <a:r>
-              <a:rPr/>
-              <a:t>Gruppe</a:t>
-            </a:r>
-            <a:r>
-              <a:rPr/>
-              <a:t> </a:t>
-            </a:r>
-            <a:r>
-              <a:rPr/>
-              <a:t>-</a:t>
-            </a:r>
-            <a:r>
-              <a:rPr/>
-              <a:t> </a:t>
-            </a:r>
-            <a:r>
-              <a:rPr/>
-              <a:t>GmbH</a:t>
+              <a:t>Kölner Wirtschaftsfachschule - Wifa Gruppe - GmbH</a:t>
             </a:r>
             <a:br/>
             <a:br/>
             <a:r>
               <a:rPr/>
-              <a:t>Roman</a:t>
-            </a:r>
-            <a:r>
-              <a:rPr/>
-              <a:t> </a:t>
-            </a:r>
-            <a:r>
-              <a:rPr/>
-              <a:t>Hoehn</a:t>
+              <a:t>Roman Hoehn</a:t>
             </a:r>
           </a:p>
         </p:txBody>
@@ -3273,15 +3193,15 @@
             <a:spLocks noGrp="1"/>
           </p:cNvSpPr>
           <p:nvPr>
-            <p:ph type="dt" sz="half" idx="10"/>
-          </p:nvPr>
-        </p:nvSpPr>
-        <p:spPr/>
-        <p:txBody>
-          <a:bodyPr/>
-          <a:lstStyle/>
-          <a:p>
-            <a:pPr lvl="0" marL="0" indent="0">
+            <p:ph idx="10" sz="half" type="dt"/>
+          </p:nvPr>
+        </p:nvSpPr>
+        <p:spPr/>
+        <p:txBody>
+          <a:bodyPr/>
+          <a:lstStyle/>
+          <a:p>
+            <a:pPr lvl="0" indent="0" marL="0">
               <a:buNone/>
             </a:pPr>
             <a:r>
@@ -3333,20 +3253,12 @@
           <a:bodyPr/>
           <a:lstStyle/>
           <a:p>
-            <a:pPr lvl="0" marL="0" indent="0">
+            <a:pPr lvl="0" indent="0" marL="0">
               <a:buNone/>
             </a:pPr>
             <a:r>
               <a:rPr/>
-              <a:t>3</a:t>
-            </a:r>
-            <a:r>
-              <a:rPr/>
-              <a:t> </a:t>
-            </a:r>
-            <a:r>
-              <a:rPr/>
-              <a:t>Literaturverzeichnis</a:t>
+              <a:t>3 Literaturverzeichnis</a:t>
             </a:r>
           </a:p>
         </p:txBody>
@@ -3388,7 +3300,7 @@
           <a:bodyPr/>
           <a:lstStyle/>
           <a:p>
-            <a:pPr lvl="0" marL="0" indent="0">
+            <a:pPr lvl="0" indent="0" marL="0">
               <a:buNone/>
             </a:pPr>
             <a:r>
@@ -3413,7 +3325,7 @@
           <a:bodyPr/>
           <a:lstStyle/>
           <a:p>
-            <a:pPr lvl="1"/>
+            <a:pPr lvl="0"/>
             <a:r>
               <a:rPr>
                 <a:hlinkClick r:id="rId2" action="ppaction://hlinksldjump"/>
@@ -3422,7 +3334,7 @@
             </a:r>
           </a:p>
           <a:p>
-            <a:pPr lvl="2"/>
+            <a:pPr lvl="1"/>
             <a:r>
               <a:rPr>
                 <a:hlinkClick r:id="rId3" action="ppaction://hlinksldjump"/>
@@ -3431,7 +3343,7 @@
             </a:r>
           </a:p>
           <a:p>
-            <a:pPr lvl="2"/>
+            <a:pPr lvl="1"/>
             <a:r>
               <a:rPr>
                 <a:hlinkClick r:id="rId4" action="ppaction://hlinksldjump"/>
@@ -3440,7 +3352,7 @@
             </a:r>
           </a:p>
           <a:p>
-            <a:pPr lvl="2"/>
+            <a:pPr lvl="1"/>
             <a:r>
               <a:rPr>
                 <a:hlinkClick r:id="rId5" action="ppaction://hlinksldjump"/>
@@ -3449,7 +3361,7 @@
             </a:r>
           </a:p>
           <a:p>
-            <a:pPr lvl="1"/>
+            <a:pPr lvl="0"/>
             <a:r>
               <a:rPr>
                 <a:hlinkClick r:id="rId6" action="ppaction://hlinksldjump"/>
@@ -3458,7 +3370,7 @@
             </a:r>
           </a:p>
           <a:p>
-            <a:pPr lvl="2"/>
+            <a:pPr lvl="1"/>
             <a:r>
               <a:rPr>
                 <a:hlinkClick r:id="rId7" action="ppaction://hlinksldjump"/>
@@ -3467,7 +3379,7 @@
             </a:r>
           </a:p>
           <a:p>
-            <a:pPr lvl="1"/>
+            <a:pPr lvl="0"/>
             <a:r>
               <a:rPr>
                 <a:hlinkClick r:id="rId8" action="ppaction://hlinksldjump"/>
@@ -3519,20 +3431,12 @@
           <a:bodyPr/>
           <a:lstStyle/>
           <a:p>
-            <a:pPr lvl="0" marL="0" indent="0">
+            <a:pPr lvl="0" indent="0" marL="0">
               <a:buNone/>
             </a:pPr>
             <a:r>
               <a:rPr/>
-              <a:t>1</a:t>
-            </a:r>
-            <a:r>
-              <a:rPr/>
-              <a:t> </a:t>
-            </a:r>
-            <a:r>
-              <a:rPr/>
-              <a:t>Unternehmensvorstellung</a:t>
+              <a:t>1 Unternehmensvorstellung</a:t>
             </a:r>
           </a:p>
         </p:txBody>
@@ -3561,7 +3465,7 @@
       </p:grpSpPr>
       <p:pic>
         <p:nvPicPr>
-          <p:cNvPr descr="pics/wifa_logo.png" id="0" name="Picture 1"/>
+          <p:cNvPr descr="fig:  pics/wifa_logo.png" id="0" name="Picture 1"/>
           <p:cNvPicPr>
             <a:picLocks noGrp="1" noChangeAspect="1"/>
           </p:cNvPicPr>
@@ -3609,36 +3513,12 @@
           <a:bodyPr/>
           <a:lstStyle/>
           <a:p>
-            <a:pPr lvl="0" marL="0" indent="0" algn="ctr">
+            <a:pPr lvl="0" indent="0" marL="0" algn="ctr">
               <a:buNone/>
             </a:pPr>
             <a:r>
               <a:rPr/>
-              <a:t>Kölner</a:t>
-            </a:r>
-            <a:r>
-              <a:rPr/>
-              <a:t> </a:t>
-            </a:r>
-            <a:r>
-              <a:rPr/>
-              <a:t>Wirtschaftsfachschule</a:t>
-            </a:r>
-            <a:r>
-              <a:rPr/>
-              <a:t> </a:t>
-            </a:r>
-            <a:r>
-              <a:rPr/>
-              <a:t>-</a:t>
-            </a:r>
-            <a:r>
-              <a:rPr/>
-              <a:t> </a:t>
-            </a:r>
-            <a:r>
-              <a:rPr/>
-              <a:t>Logo</a:t>
+              <a:t>Kölner Wirtschaftsfachschule - Logo</a:t>
             </a:r>
           </a:p>
         </p:txBody>
@@ -3680,20 +3560,12 @@
           <a:bodyPr/>
           <a:lstStyle/>
           <a:p>
-            <a:pPr lvl="0" marL="0" indent="0">
+            <a:pPr lvl="0" indent="0" marL="0">
               <a:buNone/>
             </a:pPr>
             <a:r>
               <a:rPr/>
-              <a:t>1.1</a:t>
-            </a:r>
-            <a:r>
-              <a:rPr/>
-              <a:t> </a:t>
-            </a:r>
-            <a:r>
-              <a:rPr/>
-              <a:t>Eckdaten</a:t>
+              <a:t>1.1 Eckdaten</a:t>
             </a:r>
           </a:p>
         </p:txBody>
@@ -3713,28 +3585,28 @@
           <a:bodyPr/>
           <a:lstStyle/>
           <a:p>
-            <a:pPr lvl="1"/>
+            <a:pPr lvl="0"/>
             <a:r>
               <a:rPr/>
               <a:t>Anbieter von Aus- und Weiterbildungsdienstleistungen</a:t>
             </a:r>
           </a:p>
           <a:p>
-            <a:pPr lvl="1"/>
+            <a:pPr lvl="0"/>
             <a:r>
               <a:rPr/>
               <a:t>Deutschlandweite 16 Schulungszentren</a:t>
             </a:r>
           </a:p>
           <a:p>
-            <a:pPr lvl="1"/>
+            <a:pPr lvl="0"/>
             <a:r>
               <a:rPr/>
               <a:t>Offizieler Bildungspartner von u.a.:</a:t>
             </a:r>
           </a:p>
           <a:p>
-            <a:pPr lvl="2">
+            <a:pPr lvl="1" indent="-457200" marL="914400">
               <a:buAutoNum type="arabicPeriod"/>
             </a:pPr>
             <a:r>
@@ -3743,7 +3615,7 @@
             </a:r>
           </a:p>
           <a:p>
-            <a:pPr lvl="2">
+            <a:pPr lvl="1" indent="-457200" marL="914400">
               <a:buAutoNum type="arabicPeriod"/>
             </a:pPr>
             <a:r>
@@ -3752,7 +3624,7 @@
             </a:r>
           </a:p>
           <a:p>
-            <a:pPr lvl="2">
+            <a:pPr lvl="1" indent="-457200" marL="914400">
               <a:buAutoNum type="arabicPeriod"/>
             </a:pPr>
             <a:r>
@@ -3799,20 +3671,12 @@
           <a:bodyPr/>
           <a:lstStyle/>
           <a:p>
-            <a:pPr lvl="0" marL="0" indent="0">
+            <a:pPr lvl="0" indent="0" marL="0">
               <a:buNone/>
             </a:pPr>
             <a:r>
               <a:rPr/>
-              <a:t>1.2</a:t>
-            </a:r>
-            <a:r>
-              <a:rPr/>
-              <a:t> </a:t>
-            </a:r>
-            <a:r>
-              <a:rPr/>
-              <a:t>Geschäftsbereiche</a:t>
+              <a:t>1.2 Geschäftsbereiche</a:t>
             </a:r>
           </a:p>
         </p:txBody>
@@ -3832,7 +3696,7 @@
           <a:bodyPr/>
           <a:lstStyle/>
           <a:p>
-            <a:pPr lvl="1">
+            <a:pPr lvl="0" indent="-457200" marL="457200">
               <a:buAutoNum type="arabicPeriod"/>
             </a:pPr>
             <a:r>
@@ -3841,7 +3705,7 @@
             </a:r>
           </a:p>
           <a:p>
-            <a:pPr lvl="1">
+            <a:pPr lvl="0" indent="-457200" marL="457200">
               <a:buAutoNum type="arabicPeriod"/>
             </a:pPr>
             <a:r>
@@ -3850,7 +3714,7 @@
             </a:r>
           </a:p>
           <a:p>
-            <a:pPr lvl="1">
+            <a:pPr lvl="0" indent="-457200" marL="457200">
               <a:buAutoNum type="arabicPeriod"/>
             </a:pPr>
             <a:r>
@@ -3897,20 +3761,12 @@
           <a:bodyPr/>
           <a:lstStyle/>
           <a:p>
-            <a:pPr lvl="0" marL="0" indent="0">
+            <a:pPr lvl="0" indent="0" marL="0">
               <a:buNone/>
             </a:pPr>
             <a:r>
               <a:rPr/>
-              <a:t>1.3</a:t>
-            </a:r>
-            <a:r>
-              <a:rPr/>
-              <a:t> </a:t>
-            </a:r>
-            <a:r>
-              <a:rPr/>
-              <a:t>Aufbauorganisation</a:t>
+              <a:t>1.3 Aufbauorganisation</a:t>
             </a:r>
           </a:p>
         </p:txBody>
@@ -3930,21 +3786,21 @@
           <a:bodyPr/>
           <a:lstStyle/>
           <a:p>
-            <a:pPr lvl="1"/>
+            <a:pPr lvl="0"/>
             <a:r>
               <a:rPr/>
               <a:t>0</a:t>
             </a:r>
           </a:p>
           <a:p>
-            <a:pPr lvl="1"/>
+            <a:pPr lvl="0"/>
             <a:r>
               <a:rPr/>
               <a:t>1</a:t>
             </a:r>
           </a:p>
           <a:p>
-            <a:pPr lvl="1"/>
+            <a:pPr lvl="0"/>
             <a:r>
               <a:rPr/>
               <a:t>2</a:t>
@@ -3994,28 +3850,12 @@
           <a:bodyPr/>
           <a:lstStyle/>
           <a:p>
-            <a:pPr lvl="0" marL="0" indent="0">
+            <a:pPr lvl="0" indent="0" marL="0">
               <a:buNone/>
             </a:pPr>
             <a:r>
               <a:rPr/>
-              <a:t>2</a:t>
-            </a:r>
-            <a:r>
-              <a:rPr/>
-              <a:t> </a:t>
-            </a:r>
-            <a:r>
-              <a:rPr/>
-              <a:t>Betriebliche</a:t>
-            </a:r>
-            <a:r>
-              <a:rPr/>
-              <a:t> </a:t>
-            </a:r>
-            <a:r>
-              <a:rPr/>
-              <a:t>Handlungsalternativen</a:t>
+              <a:t>2 Betriebliche Handlungsalternativen</a:t>
             </a:r>
           </a:p>
         </p:txBody>
@@ -4057,28 +3897,12 @@
           <a:bodyPr/>
           <a:lstStyle/>
           <a:p>
-            <a:pPr lvl="0" marL="0" indent="0">
+            <a:pPr lvl="0" indent="0" marL="0">
               <a:buNone/>
             </a:pPr>
             <a:r>
               <a:rPr/>
-              <a:t>2.1</a:t>
-            </a:r>
-            <a:r>
-              <a:rPr/>
-              <a:t> </a:t>
-            </a:r>
-            <a:r>
-              <a:rPr/>
-              <a:t>Ökonomische</a:t>
-            </a:r>
-            <a:r>
-              <a:rPr/>
-              <a:t> </a:t>
-            </a:r>
-            <a:r>
-              <a:rPr/>
-              <a:t>Zielkonflikte</a:t>
+              <a:t>2.1 Ökonomische Zielkonflikte</a:t>
             </a:r>
           </a:p>
         </p:txBody>
@@ -4098,7 +3922,7 @@
           <a:bodyPr/>
           <a:lstStyle/>
           <a:p>
-            <a:pPr lvl="0" marL="0" indent="0">
+            <a:pPr lvl="0" indent="0" marL="0">
               <a:buNone/>
             </a:pPr>
             <a:r>
@@ -4431,4 +4255,265 @@
   </a:objectDefaults>
   <a:extraClrSchemeLst/>
 </a:theme>
+</file>
+
+<file path=ppt/theme/theme2.xml><?xml version="1.0" encoding="utf-8"?>
+<a:theme xmlns:a="http://schemas.openxmlformats.org/drawingml/2006/main" name="Office Theme">
+  <a:themeElements>
+    <a:clrScheme name="Office">
+      <a:dk1>
+        <a:sysClr val="windowText" lastClr="000000"/>
+      </a:dk1>
+      <a:lt1>
+        <a:sysClr val="window" lastClr="FFFFFF"/>
+      </a:lt1>
+      <a:dk2>
+        <a:srgbClr val="44546A"/>
+      </a:dk2>
+      <a:lt2>
+        <a:srgbClr val="E7E6E6"/>
+      </a:lt2>
+      <a:accent1>
+        <a:srgbClr val="5B9BD5"/>
+      </a:accent1>
+      <a:accent2>
+        <a:srgbClr val="ED7D31"/>
+      </a:accent2>
+      <a:accent3>
+        <a:srgbClr val="A5A5A5"/>
+      </a:accent3>
+      <a:accent4>
+        <a:srgbClr val="FFC000"/>
+      </a:accent4>
+      <a:accent5>
+        <a:srgbClr val="4472C4"/>
+      </a:accent5>
+      <a:accent6>
+        <a:srgbClr val="70AD47"/>
+      </a:accent6>
+      <a:hlink>
+        <a:srgbClr val="0563C1"/>
+      </a:hlink>
+      <a:folHlink>
+        <a:srgbClr val="954F72"/>
+      </a:folHlink>
+    </a:clrScheme>
+    <a:fontScheme name="Office">
+      <a:majorFont>
+        <a:latin typeface="Calibri Light" panose="020F0302020204030204"/>
+        <a:ea typeface=""/>
+        <a:cs typeface=""/>
+        <a:font script="Jpan" typeface="ＭＳ Ｐゴシック"/>
+        <a:font script="Hang" typeface="맑은 고딕"/>
+        <a:font script="Hans" typeface="宋体"/>
+        <a:font script="Hant" typeface="新細明體"/>
+        <a:font script="Arab" typeface="Times New Roman"/>
+        <a:font script="Hebr" typeface="Times New Roman"/>
+        <a:font script="Thai" typeface="Angsana New"/>
+        <a:font script="Ethi" typeface="Nyala"/>
+        <a:font script="Beng" typeface="Vrinda"/>
+        <a:font script="Gujr" typeface="Shruti"/>
+        <a:font script="Khmr" typeface="MoolBoran"/>
+        <a:font script="Knda" typeface="Tunga"/>
+        <a:font script="Guru" typeface="Raavi"/>
+        <a:font script="Cans" typeface="Euphemia"/>
+        <a:font script="Cher" typeface="Plantagenet Cherokee"/>
+        <a:font script="Yiii" typeface="Microsoft Yi Baiti"/>
+        <a:font script="Tibt" typeface="Microsoft Himalaya"/>
+        <a:font script="Thaa" typeface="MV Boli"/>
+        <a:font script="Deva" typeface="Mangal"/>
+        <a:font script="Telu" typeface="Gautami"/>
+        <a:font script="Taml" typeface="Latha"/>
+        <a:font script="Syrc" typeface="Estrangelo Edessa"/>
+        <a:font script="Orya" typeface="Kalinga"/>
+        <a:font script="Mlym" typeface="Kartika"/>
+        <a:font script="Laoo" typeface="DokChampa"/>
+        <a:font script="Sinh" typeface="Iskoola Pota"/>
+        <a:font script="Mong" typeface="Mongolian Baiti"/>
+        <a:font script="Viet" typeface="Times New Roman"/>
+        <a:font script="Uigh" typeface="Microsoft Uighur"/>
+        <a:font script="Geor" typeface="Sylfaen"/>
+      </a:majorFont>
+      <a:minorFont>
+        <a:latin typeface="Calibri" panose="020F0502020204030204"/>
+        <a:ea typeface=""/>
+        <a:cs typeface=""/>
+        <a:font script="Jpan" typeface="ＭＳ Ｐゴシック"/>
+        <a:font script="Hang" typeface="맑은 고딕"/>
+        <a:font script="Hans" typeface="宋体"/>
+        <a:font script="Hant" typeface="新細明體"/>
+        <a:font script="Arab" typeface="Arial"/>
+        <a:font script="Hebr" typeface="Arial"/>
+        <a:font script="Thai" typeface="Cordia New"/>
+        <a:font script="Ethi" typeface="Nyala"/>
+        <a:font script="Beng" typeface="Vrinda"/>
+        <a:font script="Gujr" typeface="Shruti"/>
+        <a:font script="Khmr" typeface="DaunPenh"/>
+        <a:font script="Knda" typeface="Tunga"/>
+        <a:font script="Guru" typeface="Raavi"/>
+        <a:font script="Cans" typeface="Euphemia"/>
+        <a:font script="Cher" typeface="Plantagenet Cherokee"/>
+        <a:font script="Yiii" typeface="Microsoft Yi Baiti"/>
+        <a:font script="Tibt" typeface="Microsoft Himalaya"/>
+        <a:font script="Thaa" typeface="MV Boli"/>
+        <a:font script="Deva" typeface="Mangal"/>
+        <a:font script="Telu" typeface="Gautami"/>
+        <a:font script="Taml" typeface="Latha"/>
+        <a:font script="Syrc" typeface="Estrangelo Edessa"/>
+        <a:font script="Orya" typeface="Kalinga"/>
+        <a:font script="Mlym" typeface="Kartika"/>
+        <a:font script="Laoo" typeface="DokChampa"/>
+        <a:font script="Sinh" typeface="Iskoola Pota"/>
+        <a:font script="Mong" typeface="Mongolian Baiti"/>
+        <a:font script="Viet" typeface="Arial"/>
+        <a:font script="Uigh" typeface="Microsoft Uighur"/>
+        <a:font script="Geor" typeface="Sylfaen"/>
+      </a:minorFont>
+    </a:fontScheme>
+    <a:fmtScheme name="Office">
+      <a:fillStyleLst>
+        <a:solidFill>
+          <a:schemeClr val="phClr"/>
+        </a:solidFill>
+        <a:gradFill rotWithShape="1">
+          <a:gsLst>
+            <a:gs pos="0">
+              <a:schemeClr val="phClr">
+                <a:lumMod val="110000"/>
+                <a:satMod val="105000"/>
+                <a:tint val="67000"/>
+              </a:schemeClr>
+            </a:gs>
+            <a:gs pos="50000">
+              <a:schemeClr val="phClr">
+                <a:lumMod val="105000"/>
+                <a:satMod val="103000"/>
+                <a:tint val="73000"/>
+              </a:schemeClr>
+            </a:gs>
+            <a:gs pos="100000">
+              <a:schemeClr val="phClr">
+                <a:lumMod val="105000"/>
+                <a:satMod val="109000"/>
+                <a:tint val="81000"/>
+              </a:schemeClr>
+            </a:gs>
+          </a:gsLst>
+          <a:lin ang="5400000" scaled="0"/>
+        </a:gradFill>
+        <a:gradFill rotWithShape="1">
+          <a:gsLst>
+            <a:gs pos="0">
+              <a:schemeClr val="phClr">
+                <a:satMod val="103000"/>
+                <a:lumMod val="102000"/>
+                <a:tint val="94000"/>
+              </a:schemeClr>
+            </a:gs>
+            <a:gs pos="50000">
+              <a:schemeClr val="phClr">
+                <a:satMod val="110000"/>
+                <a:lumMod val="100000"/>
+                <a:shade val="100000"/>
+              </a:schemeClr>
+            </a:gs>
+            <a:gs pos="100000">
+              <a:schemeClr val="phClr">
+                <a:lumMod val="99000"/>
+                <a:satMod val="120000"/>
+                <a:shade val="78000"/>
+              </a:schemeClr>
+            </a:gs>
+          </a:gsLst>
+          <a:lin ang="5400000" scaled="0"/>
+        </a:gradFill>
+      </a:fillStyleLst>
+      <a:lnStyleLst>
+        <a:ln w="6350" cap="flat" cmpd="sng" algn="ctr">
+          <a:solidFill>
+            <a:schemeClr val="phClr"/>
+          </a:solidFill>
+          <a:prstDash val="solid"/>
+          <a:miter lim="800000"/>
+        </a:ln>
+        <a:ln w="12700" cap="flat" cmpd="sng" algn="ctr">
+          <a:solidFill>
+            <a:schemeClr val="phClr"/>
+          </a:solidFill>
+          <a:prstDash val="solid"/>
+          <a:miter lim="800000"/>
+        </a:ln>
+        <a:ln w="19050" cap="flat" cmpd="sng" algn="ctr">
+          <a:solidFill>
+            <a:schemeClr val="phClr"/>
+          </a:solidFill>
+          <a:prstDash val="solid"/>
+          <a:miter lim="800000"/>
+        </a:ln>
+      </a:lnStyleLst>
+      <a:effectStyleLst>
+        <a:effectStyle>
+          <a:effectLst/>
+        </a:effectStyle>
+        <a:effectStyle>
+          <a:effectLst/>
+        </a:effectStyle>
+        <a:effectStyle>
+          <a:effectLst>
+            <a:outerShdw blurRad="57150" dist="19050" dir="5400000" algn="ctr" rotWithShape="0">
+              <a:srgbClr val="000000">
+                <a:alpha val="63000"/>
+              </a:srgbClr>
+            </a:outerShdw>
+          </a:effectLst>
+        </a:effectStyle>
+      </a:effectStyleLst>
+      <a:bgFillStyleLst>
+        <a:solidFill>
+          <a:schemeClr val="phClr"/>
+        </a:solidFill>
+        <a:solidFill>
+          <a:schemeClr val="phClr">
+            <a:tint val="95000"/>
+            <a:satMod val="170000"/>
+          </a:schemeClr>
+        </a:solidFill>
+        <a:gradFill rotWithShape="1">
+          <a:gsLst>
+            <a:gs pos="0">
+              <a:schemeClr val="phClr">
+                <a:tint val="93000"/>
+                <a:satMod val="150000"/>
+                <a:shade val="98000"/>
+                <a:lumMod val="102000"/>
+              </a:schemeClr>
+            </a:gs>
+            <a:gs pos="50000">
+              <a:schemeClr val="phClr">
+                <a:tint val="98000"/>
+                <a:satMod val="130000"/>
+                <a:shade val="90000"/>
+                <a:lumMod val="103000"/>
+              </a:schemeClr>
+            </a:gs>
+            <a:gs pos="100000">
+              <a:schemeClr val="phClr">
+                <a:shade val="63000"/>
+                <a:satMod val="120000"/>
+              </a:schemeClr>
+            </a:gs>
+          </a:gsLst>
+          <a:lin ang="5400000" scaled="0"/>
+        </a:gradFill>
+      </a:bgFillStyleLst>
+    </a:fmtScheme>
+  </a:themeElements>
+  <a:objectDefaults/>
+  <a:extraClrSchemeLst/>
+  <a:extLst>
+    <a:ext uri="{05A4C25C-085E-4340-85A3-A5531E510DB2}">
+      <thm15:themeFamily xmlns:thm15="http://schemas.microsoft.com/office/thememl/2012/main" name="Office Theme" id="{62F939B6-93AF-4DB8-9C6B-D6C7DFDC589F}" vid="{4A3C46E8-61CC-4603-A589-7422A47A8E4A}"/>
+    </a:ext>
+  </a:extLst>
+</a:theme>
 </file>
--- a/praktikum/praesentation/praesentation.pptx
+++ b/praktikum/praesentation/praesentation.pptx
@@ -15,6 +15,15 @@
     <p:sldId id="263" r:id="rId9"/>
     <p:sldId id="264" r:id="rId10"/>
     <p:sldId id="265" r:id="rId11"/>
+    <p:sldId id="266" r:id="rId12"/>
+    <p:sldId id="267" r:id="rId13"/>
+    <p:sldId id="268" r:id="rId14"/>
+    <p:sldId id="269" r:id="rId15"/>
+    <p:sldId id="270" r:id="rId16"/>
+    <p:sldId id="271" r:id="rId17"/>
+    <p:sldId id="272" r:id="rId18"/>
+    <p:sldId id="273" r:id="rId19"/>
+    <p:sldId id="274" r:id="rId20"/>
   </p:sldIdLst>
   <p:sldSz cx="9144000" cy="6858000" type="screen4x3"/>
   <p:notesSz cx="6858000" cy="9144000"/>
@@ -3243,6 +3252,90 @@
             <p:ph type="title"/>
           </p:nvPr>
         </p:nvSpPr>
+        <p:spPr/>
+        <p:txBody>
+          <a:bodyPr/>
+          <a:lstStyle/>
+          <a:p>
+            <a:pPr lvl="0" indent="0" marL="0">
+              <a:buNone/>
+            </a:pPr>
+            <a:r>
+              <a:rPr/>
+              <a:t>1.6 Betriebliche Anforderungen</a:t>
+            </a:r>
+          </a:p>
+        </p:txBody>
+      </p:sp>
+      <p:sp>
+        <p:nvSpPr>
+          <p:cNvPr id="3" name="Content Placeholder 2"/>
+          <p:cNvSpPr>
+            <a:spLocks noGrp="1"/>
+          </p:cNvSpPr>
+          <p:nvPr>
+            <p:ph idx="1"/>
+          </p:nvPr>
+        </p:nvSpPr>
+        <p:spPr/>
+        <p:txBody>
+          <a:bodyPr/>
+          <a:lstStyle/>
+          <a:p>
+            <a:pPr lvl="0"/>
+            <a:r>
+              <a:rPr/>
+              <a:t>Fachliche Expertise</a:t>
+            </a:r>
+          </a:p>
+          <a:p>
+            <a:pPr lvl="0"/>
+            <a:r>
+              <a:rPr/>
+              <a:t>Didaktische/Pädagogische Fähigkeiten</a:t>
+            </a:r>
+          </a:p>
+          <a:p>
+            <a:pPr lvl="0"/>
+            <a:r>
+              <a:rPr/>
+              <a:t>Zeitmanagement</a:t>
+            </a:r>
+          </a:p>
+        </p:txBody>
+      </p:sp>
+    </p:spTree>
+  </p:cSld>
+</p:sld>
+</file>
+
+<file path=ppt/slides/slide11.xml><?xml version="1.0" encoding="utf-8"?>
+<p:sld xmlns:a="http://schemas.openxmlformats.org/drawingml/2006/main" xmlns:r="http://schemas.openxmlformats.org/officeDocument/2006/relationships" xmlns:p="http://schemas.openxmlformats.org/presentationml/2006/main">
+  <p:cSld>
+    <p:spTree>
+      <p:nvGrpSpPr>
+        <p:cNvPr id="1" name=""/>
+        <p:cNvGrpSpPr/>
+        <p:nvPr/>
+      </p:nvGrpSpPr>
+      <p:grpSpPr>
+        <a:xfrm>
+          <a:off x="0" y="0"/>
+          <a:ext cx="0" cy="0"/>
+          <a:chOff x="0" y="0"/>
+          <a:chExt cx="0" cy="0"/>
+        </a:xfrm>
+      </p:grpSpPr>
+      <p:sp>
+        <p:nvSpPr>
+          <p:cNvPr id="2" name="Title 1"/>
+          <p:cNvSpPr>
+            <a:spLocks noGrp="1"/>
+          </p:cNvSpPr>
+          <p:nvPr>
+            <p:ph type="title"/>
+          </p:nvPr>
+        </p:nvSpPr>
         <p:spPr>
           <a:xfrm>
             <a:off x="722313" y="4406900"/>
@@ -3258,7 +3351,661 @@
             </a:pPr>
             <a:r>
               <a:rPr/>
-              <a:t>3 Literaturverzeichnis</a:t>
+              <a:t>2 Betriebliche Handlungsalternativen</a:t>
+            </a:r>
+          </a:p>
+        </p:txBody>
+      </p:sp>
+    </p:spTree>
+  </p:cSld>
+</p:sld>
+</file>
+
+<file path=ppt/slides/slide12.xml><?xml version="1.0" encoding="utf-8"?>
+<p:sld xmlns:a="http://schemas.openxmlformats.org/drawingml/2006/main" xmlns:r="http://schemas.openxmlformats.org/officeDocument/2006/relationships" xmlns:p="http://schemas.openxmlformats.org/presentationml/2006/main">
+  <p:cSld>
+    <p:spTree>
+      <p:nvGrpSpPr>
+        <p:cNvPr id="1" name=""/>
+        <p:cNvGrpSpPr/>
+        <p:nvPr/>
+      </p:nvGrpSpPr>
+      <p:grpSpPr>
+        <a:xfrm>
+          <a:off x="0" y="0"/>
+          <a:ext cx="0" cy="0"/>
+          <a:chOff x="0" y="0"/>
+          <a:chExt cx="0" cy="0"/>
+        </a:xfrm>
+      </p:grpSpPr>
+      <p:sp>
+        <p:nvSpPr>
+          <p:cNvPr id="2" name="Title 1"/>
+          <p:cNvSpPr>
+            <a:spLocks noGrp="1"/>
+          </p:cNvSpPr>
+          <p:nvPr>
+            <p:ph type="title"/>
+          </p:nvPr>
+        </p:nvSpPr>
+        <p:spPr/>
+        <p:txBody>
+          <a:bodyPr/>
+          <a:lstStyle/>
+          <a:p>
+            <a:pPr lvl="0" indent="0" marL="0">
+              <a:buNone/>
+            </a:pPr>
+            <a:r>
+              <a:rPr/>
+              <a:t>2.1 Ausgangssituation</a:t>
+            </a:r>
+          </a:p>
+        </p:txBody>
+      </p:sp>
+      <p:sp>
+        <p:nvSpPr>
+          <p:cNvPr id="3" name="Content Placeholder 2"/>
+          <p:cNvSpPr>
+            <a:spLocks noGrp="1"/>
+          </p:cNvSpPr>
+          <p:nvPr>
+            <p:ph idx="1"/>
+          </p:nvPr>
+        </p:nvSpPr>
+        <p:spPr/>
+        <p:txBody>
+          <a:bodyPr/>
+          <a:lstStyle/>
+          <a:p>
+            <a:pPr lvl="0"/>
+            <a:r>
+              <a:rPr/>
+              <a:t>Betrieb im Wandel: Erarbeitung eines digitalen Schulungskonzepts</a:t>
+            </a:r>
+          </a:p>
+          <a:p>
+            <a:pPr lvl="0"/>
+            <a:r>
+              <a:rPr b="1"/>
+              <a:t>Vorher</a:t>
+            </a:r>
+            <a:r>
+              <a:rPr/>
+              <a:t>: Standorte arbeiten stark autonom:</a:t>
+            </a:r>
+          </a:p>
+          <a:p>
+            <a:pPr lvl="1" indent="-457200" marL="914400">
+              <a:buAutoNum type="arabicPeriod"/>
+            </a:pPr>
+            <a:r>
+              <a:rPr/>
+              <a:t>Erarbeitung eigener Unterrichts/Unterweisungskonzepte</a:t>
+            </a:r>
+          </a:p>
+          <a:p>
+            <a:pPr lvl="1" indent="-457200" marL="914400">
+              <a:buAutoNum type="arabicPeriod"/>
+            </a:pPr>
+            <a:r>
+              <a:rPr/>
+              <a:t>Wenig Kontakt zu anderen Geschäftsstellen</a:t>
+            </a:r>
+          </a:p>
+          <a:p>
+            <a:pPr lvl="1" indent="-457200" marL="914400">
+              <a:buAutoNum type="arabicPeriod"/>
+            </a:pPr>
+            <a:r>
+              <a:rPr/>
+              <a:t>Fokus auf individuelle Betreuung</a:t>
+            </a:r>
+          </a:p>
+          <a:p>
+            <a:pPr lvl="0"/>
+            <a:r>
+              <a:rPr b="1"/>
+              <a:t>Zielvorgabe</a:t>
+            </a:r>
+            <a:r>
+              <a:rPr/>
+              <a:t>: Standortübergreifende Zusammenarbeit bei der Erstellung eines digitalen Unterrichtsangebots</a:t>
+            </a:r>
+          </a:p>
+        </p:txBody>
+      </p:sp>
+    </p:spTree>
+  </p:cSld>
+</p:sld>
+</file>
+
+<file path=ppt/slides/slide13.xml><?xml version="1.0" encoding="utf-8"?>
+<p:sld xmlns:a="http://schemas.openxmlformats.org/drawingml/2006/main" xmlns:r="http://schemas.openxmlformats.org/officeDocument/2006/relationships" xmlns:p="http://schemas.openxmlformats.org/presentationml/2006/main">
+  <p:cSld>
+    <p:spTree>
+      <p:nvGrpSpPr>
+        <p:cNvPr id="1" name=""/>
+        <p:cNvGrpSpPr/>
+        <p:nvPr/>
+      </p:nvGrpSpPr>
+      <p:grpSpPr>
+        <a:xfrm>
+          <a:off x="0" y="0"/>
+          <a:ext cx="0" cy="0"/>
+          <a:chOff x="0" y="0"/>
+          <a:chExt cx="0" cy="0"/>
+        </a:xfrm>
+      </p:grpSpPr>
+      <p:sp>
+        <p:nvSpPr>
+          <p:cNvPr id="2" name="Title 1"/>
+          <p:cNvSpPr>
+            <a:spLocks noGrp="1"/>
+          </p:cNvSpPr>
+          <p:nvPr>
+            <p:ph type="title"/>
+          </p:nvPr>
+        </p:nvSpPr>
+        <p:spPr/>
+        <p:txBody>
+          <a:bodyPr/>
+          <a:lstStyle/>
+          <a:p>
+            <a:pPr lvl="0" indent="0" marL="0">
+              <a:buNone/>
+            </a:pPr>
+            <a:r>
+              <a:rPr/>
+              <a:t>2.2 Schwierigkeiten</a:t>
+            </a:r>
+          </a:p>
+        </p:txBody>
+      </p:sp>
+      <p:sp>
+        <p:nvSpPr>
+          <p:cNvPr id="3" name="Content Placeholder 2"/>
+          <p:cNvSpPr>
+            <a:spLocks noGrp="1"/>
+          </p:cNvSpPr>
+          <p:nvPr>
+            <p:ph idx="1"/>
+          </p:nvPr>
+        </p:nvSpPr>
+        <p:spPr/>
+        <p:txBody>
+          <a:bodyPr/>
+          <a:lstStyle/>
+          <a:p>
+            <a:pPr lvl="0"/>
+            <a:r>
+              <a:rPr/>
+              <a:t>Auftrag der Geschäftsleitung zur Umstellung ohne genaue Ziel- und Rahmenvorgaben</a:t>
+            </a:r>
+          </a:p>
+          <a:p>
+            <a:pPr lvl="0"/>
+            <a:r>
+              <a:rPr/>
+              <a:t>Mangelhafte Kommunikation- und Vernetzung zwischen Geschäftsstellen</a:t>
+            </a:r>
+          </a:p>
+          <a:p>
+            <a:pPr lvl="0"/>
+            <a:r>
+              <a:rPr/>
+              <a:t>Keine Erfahrung in der digitalen Unterrichtsgestaltung</a:t>
+            </a:r>
+          </a:p>
+          <a:p>
+            <a:pPr lvl="0"/>
+            <a:r>
+              <a:rPr/>
+              <a:t>Moral Hazard: “Die anderen machen das schon…”</a:t>
+            </a:r>
+          </a:p>
+        </p:txBody>
+      </p:sp>
+    </p:spTree>
+  </p:cSld>
+</p:sld>
+</file>
+
+<file path=ppt/slides/slide14.xml><?xml version="1.0" encoding="utf-8"?>
+<p:sld xmlns:a="http://schemas.openxmlformats.org/drawingml/2006/main" xmlns:r="http://schemas.openxmlformats.org/officeDocument/2006/relationships" xmlns:p="http://schemas.openxmlformats.org/presentationml/2006/main">
+  <p:cSld>
+    <p:spTree>
+      <p:nvGrpSpPr>
+        <p:cNvPr id="1" name=""/>
+        <p:cNvGrpSpPr/>
+        <p:nvPr/>
+      </p:nvGrpSpPr>
+      <p:grpSpPr>
+        <a:xfrm>
+          <a:off x="0" y="0"/>
+          <a:ext cx="0" cy="0"/>
+          <a:chOff x="0" y="0"/>
+          <a:chExt cx="0" cy="0"/>
+        </a:xfrm>
+      </p:grpSpPr>
+      <p:sp>
+        <p:nvSpPr>
+          <p:cNvPr id="2" name="Title 1"/>
+          <p:cNvSpPr>
+            <a:spLocks noGrp="1"/>
+          </p:cNvSpPr>
+          <p:nvPr>
+            <p:ph type="title"/>
+          </p:nvPr>
+        </p:nvSpPr>
+        <p:spPr/>
+        <p:txBody>
+          <a:bodyPr/>
+          <a:lstStyle/>
+          <a:p>
+            <a:pPr lvl="0" indent="0" marL="0">
+              <a:buNone/>
+            </a:pPr>
+            <a:r>
+              <a:rPr/>
+              <a:t>2.3 Lösungsvorschlage</a:t>
+            </a:r>
+          </a:p>
+        </p:txBody>
+      </p:sp>
+      <p:sp>
+        <p:nvSpPr>
+          <p:cNvPr id="3" name="Content Placeholder 2"/>
+          <p:cNvSpPr>
+            <a:spLocks noGrp="1"/>
+          </p:cNvSpPr>
+          <p:nvPr>
+            <p:ph idx="1"/>
+          </p:nvPr>
+        </p:nvSpPr>
+        <p:spPr/>
+        <p:txBody>
+          <a:bodyPr/>
+          <a:lstStyle/>
+          <a:p>
+            <a:pPr lvl="0" indent="0" marL="0">
+              <a:buNone/>
+            </a:pPr>
+            <a:r>
+              <a:rPr/>
+              <a:t>Welche Maßnahmen könnte die Geschäftsleitung ergreifen um das Problem * in der </a:t>
+            </a:r>
+            <a:r>
+              <a:rPr b="1"/>
+              <a:t>akuten</a:t>
+            </a:r>
+            <a:r>
+              <a:rPr/>
+              <a:t> Lage, * </a:t>
+            </a:r>
+            <a:r>
+              <a:rPr b="1"/>
+              <a:t>präventiv</a:t>
+            </a:r>
+            <a:r>
+              <a:rPr/>
+              <a:t> für zukünftige Projekte zu lösen?</a:t>
+            </a:r>
+          </a:p>
+        </p:txBody>
+      </p:sp>
+    </p:spTree>
+  </p:cSld>
+</p:sld>
+</file>
+
+<file path=ppt/slides/slide15.xml><?xml version="1.0" encoding="utf-8"?>
+<p:sld xmlns:a="http://schemas.openxmlformats.org/drawingml/2006/main" xmlns:r="http://schemas.openxmlformats.org/officeDocument/2006/relationships" xmlns:p="http://schemas.openxmlformats.org/presentationml/2006/main">
+  <p:cSld>
+    <p:spTree>
+      <p:nvGrpSpPr>
+        <p:cNvPr id="1" name=""/>
+        <p:cNvGrpSpPr/>
+        <p:nvPr/>
+      </p:nvGrpSpPr>
+      <p:grpSpPr>
+        <a:xfrm>
+          <a:off x="0" y="0"/>
+          <a:ext cx="0" cy="0"/>
+          <a:chOff x="0" y="0"/>
+          <a:chExt cx="0" cy="0"/>
+        </a:xfrm>
+      </p:grpSpPr>
+      <p:sp>
+        <p:nvSpPr>
+          <p:cNvPr id="2" name="Title 1"/>
+          <p:cNvSpPr>
+            <a:spLocks noGrp="1"/>
+          </p:cNvSpPr>
+          <p:nvPr>
+            <p:ph type="title"/>
+          </p:nvPr>
+        </p:nvSpPr>
+        <p:spPr/>
+        <p:txBody>
+          <a:bodyPr/>
+          <a:lstStyle/>
+          <a:p>
+            <a:pPr lvl="0" indent="0" marL="0">
+              <a:buNone/>
+            </a:pPr>
+            <a:r>
+              <a:rPr/>
+              <a:t>2.4 Betriebliche Lösungsvorschläge</a:t>
+            </a:r>
+          </a:p>
+        </p:txBody>
+      </p:sp>
+      <p:sp>
+        <p:nvSpPr>
+          <p:cNvPr id="3" name="Content Placeholder 2"/>
+          <p:cNvSpPr>
+            <a:spLocks noGrp="1"/>
+          </p:cNvSpPr>
+          <p:nvPr>
+            <p:ph idx="1"/>
+          </p:nvPr>
+        </p:nvSpPr>
+        <p:spPr/>
+        <p:txBody>
+          <a:bodyPr/>
+          <a:lstStyle/>
+          <a:p>
+            <a:pPr lvl="0"/>
+            <a:r>
+              <a:rPr/>
+              <a:t>Einführung eines wöchentlichen Meetings aller Beteiligten</a:t>
+            </a:r>
+          </a:p>
+          <a:p>
+            <a:pPr lvl="0"/>
+            <a:r>
+              <a:rPr/>
+              <a:t>Führung einer Skillmatrix: Erfassung von individuellen Kernkompetenzen</a:t>
+            </a:r>
+          </a:p>
+          <a:p>
+            <a:pPr lvl="0"/>
+            <a:r>
+              <a:rPr/>
+              <a:t>Ernennung von Ansprechpartnern und Verantwortlichen</a:t>
+            </a:r>
+          </a:p>
+        </p:txBody>
+      </p:sp>
+    </p:spTree>
+  </p:cSld>
+</p:sld>
+</file>
+
+<file path=ppt/slides/slide16.xml><?xml version="1.0" encoding="utf-8"?>
+<p:sld xmlns:a="http://schemas.openxmlformats.org/drawingml/2006/main" xmlns:r="http://schemas.openxmlformats.org/officeDocument/2006/relationships" xmlns:p="http://schemas.openxmlformats.org/presentationml/2006/main">
+  <p:cSld>
+    <p:spTree>
+      <p:nvGrpSpPr>
+        <p:cNvPr id="1" name=""/>
+        <p:cNvGrpSpPr/>
+        <p:nvPr/>
+      </p:nvGrpSpPr>
+      <p:grpSpPr>
+        <a:xfrm>
+          <a:off x="0" y="0"/>
+          <a:ext cx="0" cy="0"/>
+          <a:chOff x="0" y="0"/>
+          <a:chExt cx="0" cy="0"/>
+        </a:xfrm>
+      </p:grpSpPr>
+      <p:sp>
+        <p:nvSpPr>
+          <p:cNvPr id="2" name="Title 1"/>
+          <p:cNvSpPr>
+            <a:spLocks noGrp="1"/>
+          </p:cNvSpPr>
+          <p:nvPr>
+            <p:ph type="title"/>
+          </p:nvPr>
+        </p:nvSpPr>
+        <p:spPr>
+          <a:xfrm>
+            <a:off x="722313" y="4406900"/>
+            <a:ext cx="7772400" cy="1362075"/>
+          </a:xfrm>
+        </p:spPr>
+        <p:txBody>
+          <a:bodyPr/>
+          <a:lstStyle/>
+          <a:p>
+            <a:pPr lvl="0" indent="0" marL="0">
+              <a:buNone/>
+            </a:pPr>
+            <a:r>
+              <a:rPr/>
+              <a:t>3 Unterweisungseinheit</a:t>
+            </a:r>
+          </a:p>
+        </p:txBody>
+      </p:sp>
+    </p:spTree>
+  </p:cSld>
+</p:sld>
+</file>
+
+<file path=ppt/slides/slide17.xml><?xml version="1.0" encoding="utf-8"?>
+<p:sld xmlns:a="http://schemas.openxmlformats.org/drawingml/2006/main" xmlns:r="http://schemas.openxmlformats.org/officeDocument/2006/relationships" xmlns:p="http://schemas.openxmlformats.org/presentationml/2006/main">
+  <p:cSld>
+    <p:spTree>
+      <p:nvGrpSpPr>
+        <p:cNvPr id="1" name=""/>
+        <p:cNvGrpSpPr/>
+        <p:nvPr/>
+      </p:nvGrpSpPr>
+      <p:grpSpPr>
+        <a:xfrm>
+          <a:off x="0" y="0"/>
+          <a:ext cx="0" cy="0"/>
+          <a:chOff x="0" y="0"/>
+          <a:chExt cx="0" cy="0"/>
+        </a:xfrm>
+      </p:grpSpPr>
+      <p:sp>
+        <p:nvSpPr>
+          <p:cNvPr id="2" name="Title 1"/>
+          <p:cNvSpPr>
+            <a:spLocks noGrp="1"/>
+          </p:cNvSpPr>
+          <p:nvPr>
+            <p:ph type="title"/>
+          </p:nvPr>
+        </p:nvSpPr>
+        <p:spPr/>
+        <p:txBody>
+          <a:bodyPr/>
+          <a:lstStyle/>
+          <a:p>
+            <a:pPr lvl="0" indent="0" marL="0">
+              <a:buNone/>
+            </a:pPr>
+            <a:r>
+              <a:rPr/>
+              <a:t>3.1 Inhalt</a:t>
+            </a:r>
+          </a:p>
+        </p:txBody>
+      </p:sp>
+      <p:sp>
+        <p:nvSpPr>
+          <p:cNvPr id="3" name="Content Placeholder 2"/>
+          <p:cNvSpPr>
+            <a:spLocks noGrp="1"/>
+          </p:cNvSpPr>
+          <p:nvPr>
+            <p:ph idx="1"/>
+          </p:nvPr>
+        </p:nvSpPr>
+        <p:spPr/>
+        <p:txBody>
+          <a:bodyPr/>
+          <a:lstStyle/>
+          <a:p>
+            <a:pPr lvl="0"/>
+            <a:r>
+              <a:rPr/>
+              <a:t>Zielgruppe: Kaufmännische Umschüler</a:t>
+            </a:r>
+          </a:p>
+          <a:p>
+            <a:pPr lvl="0"/>
+            <a:r>
+              <a:rPr/>
+              <a:t>Thema: Verweis Funktionen in Microsoft Excel</a:t>
+            </a:r>
+          </a:p>
+          <a:p>
+            <a:pPr lvl="0"/>
+            <a:r>
+              <a:rPr/>
+              <a:t>Rahmenbedingungen: Online über Microsoft Teams</a:t>
+            </a:r>
+          </a:p>
+        </p:txBody>
+      </p:sp>
+    </p:spTree>
+  </p:cSld>
+</p:sld>
+</file>
+
+<file path=ppt/slides/slide18.xml><?xml version="1.0" encoding="utf-8"?>
+<p:sld xmlns:a="http://schemas.openxmlformats.org/drawingml/2006/main" xmlns:r="http://schemas.openxmlformats.org/officeDocument/2006/relationships" xmlns:p="http://schemas.openxmlformats.org/presentationml/2006/main">
+  <p:cSld>
+    <p:spTree>
+      <p:nvGrpSpPr>
+        <p:cNvPr id="1" name=""/>
+        <p:cNvGrpSpPr/>
+        <p:nvPr/>
+      </p:nvGrpSpPr>
+      <p:grpSpPr>
+        <a:xfrm>
+          <a:off x="0" y="0"/>
+          <a:ext cx="0" cy="0"/>
+          <a:chOff x="0" y="0"/>
+          <a:chExt cx="0" cy="0"/>
+        </a:xfrm>
+      </p:grpSpPr>
+      <p:sp>
+        <p:nvSpPr>
+          <p:cNvPr id="2" name="Title 1"/>
+          <p:cNvSpPr>
+            <a:spLocks noGrp="1"/>
+          </p:cNvSpPr>
+          <p:nvPr>
+            <p:ph type="title"/>
+          </p:nvPr>
+        </p:nvSpPr>
+        <p:spPr/>
+        <p:txBody>
+          <a:bodyPr/>
+          <a:lstStyle/>
+          <a:p>
+            <a:pPr lvl="0" indent="0" marL="0">
+              <a:buNone/>
+            </a:pPr>
+            <a:r>
+              <a:rPr/>
+              <a:t>3.2 Vorgehensweise</a:t>
+            </a:r>
+          </a:p>
+        </p:txBody>
+      </p:sp>
+      <p:sp>
+        <p:nvSpPr>
+          <p:cNvPr id="3" name="Content Placeholder 2"/>
+          <p:cNvSpPr>
+            <a:spLocks noGrp="1"/>
+          </p:cNvSpPr>
+          <p:nvPr>
+            <p:ph idx="1"/>
+          </p:nvPr>
+        </p:nvSpPr>
+        <p:spPr/>
+        <p:txBody>
+          <a:bodyPr/>
+          <a:lstStyle/>
+          <a:p>
+            <a:pPr lvl="0"/>
+            <a:r>
+              <a:rPr/>
+              <a:t>Erstellung eines Zeitplans</a:t>
+            </a:r>
+          </a:p>
+          <a:p>
+            <a:pPr lvl="0"/>
+            <a:r>
+              <a:rPr/>
+              <a:t>Vorbereitung von interaktiven Übungsaufgaben</a:t>
+            </a:r>
+          </a:p>
+          <a:p>
+            <a:pPr lvl="0"/>
+            <a:r>
+              <a:rPr/>
+              <a:t>Einbezug von Visualisierungstools</a:t>
+            </a:r>
+          </a:p>
+        </p:txBody>
+      </p:sp>
+    </p:spTree>
+  </p:cSld>
+</p:sld>
+</file>
+
+<file path=ppt/slides/slide19.xml><?xml version="1.0" encoding="utf-8"?>
+<p:sld xmlns:a="http://schemas.openxmlformats.org/drawingml/2006/main" xmlns:r="http://schemas.openxmlformats.org/officeDocument/2006/relationships" xmlns:p="http://schemas.openxmlformats.org/presentationml/2006/main">
+  <p:cSld>
+    <p:spTree>
+      <p:nvGrpSpPr>
+        <p:cNvPr id="1" name=""/>
+        <p:cNvGrpSpPr/>
+        <p:nvPr/>
+      </p:nvGrpSpPr>
+      <p:grpSpPr>
+        <a:xfrm>
+          <a:off x="0" y="0"/>
+          <a:ext cx="0" cy="0"/>
+          <a:chOff x="0" y="0"/>
+          <a:chExt cx="0" cy="0"/>
+        </a:xfrm>
+      </p:grpSpPr>
+      <p:sp>
+        <p:nvSpPr>
+          <p:cNvPr id="2" name="Title 1"/>
+          <p:cNvSpPr>
+            <a:spLocks noGrp="1"/>
+          </p:cNvSpPr>
+          <p:nvPr>
+            <p:ph type="title"/>
+          </p:nvPr>
+        </p:nvSpPr>
+        <p:spPr>
+          <a:xfrm>
+            <a:off x="722313" y="4406900"/>
+            <a:ext cx="7772400" cy="1362075"/>
+          </a:xfrm>
+        </p:spPr>
+        <p:txBody>
+          <a:bodyPr/>
+          <a:lstStyle/>
+          <a:p>
+            <a:pPr lvl="0" indent="0" marL="0">
+              <a:buNone/>
+            </a:pPr>
+            <a:r>
+              <a:rPr/>
+              <a:t>4 Literaturverzeichnis</a:t>
             </a:r>
           </a:p>
         </p:txBody>
@@ -3330,61 +4077,34 @@
               <a:rPr>
                 <a:hlinkClick r:id="rId2" action="ppaction://hlinksldjump"/>
               </a:rPr>
-              <a:t>1 Unternehmensvorstellung</a:t>
-            </a:r>
-          </a:p>
-          <a:p>
-            <a:pPr lvl="1"/>
+              <a:t>1 Erfahrungsbereich Unternehmen und Beruf</a:t>
+            </a:r>
+          </a:p>
+          <a:p>
+            <a:pPr lvl="0"/>
             <a:r>
               <a:rPr>
                 <a:hlinkClick r:id="rId3" action="ppaction://hlinksldjump"/>
               </a:rPr>
-              <a:t>1.1 Eckdaten</a:t>
-            </a:r>
-          </a:p>
-          <a:p>
-            <a:pPr lvl="1"/>
+              <a:t>2 Betriebliche Handlungsalternativen</a:t>
+            </a:r>
+          </a:p>
+          <a:p>
+            <a:pPr lvl="0"/>
             <a:r>
               <a:rPr>
                 <a:hlinkClick r:id="rId4" action="ppaction://hlinksldjump"/>
               </a:rPr>
-              <a:t>1.2 Geschäftsbereiche</a:t>
-            </a:r>
-          </a:p>
-          <a:p>
-            <a:pPr lvl="1"/>
+              <a:t>3 Unterweisungseinheit</a:t>
+            </a:r>
+          </a:p>
+          <a:p>
+            <a:pPr lvl="0"/>
             <a:r>
               <a:rPr>
                 <a:hlinkClick r:id="rId5" action="ppaction://hlinksldjump"/>
               </a:rPr>
-              <a:t>1.3 Aufbauorganisation</a:t>
-            </a:r>
-          </a:p>
-          <a:p>
-            <a:pPr lvl="0"/>
-            <a:r>
-              <a:rPr>
-                <a:hlinkClick r:id="rId6" action="ppaction://hlinksldjump"/>
-              </a:rPr>
-              <a:t>2 Betriebliche Handlungsalternativen</a:t>
-            </a:r>
-          </a:p>
-          <a:p>
-            <a:pPr lvl="1"/>
-            <a:r>
-              <a:rPr>
-                <a:hlinkClick r:id="rId7" action="ppaction://hlinksldjump"/>
-              </a:rPr>
-              <a:t>2.1 Ökonomische Zielkonflikte</a:t>
-            </a:r>
-          </a:p>
-          <a:p>
-            <a:pPr lvl="0"/>
-            <a:r>
-              <a:rPr>
-                <a:hlinkClick r:id="rId8" action="ppaction://hlinksldjump"/>
-              </a:rPr>
-              <a:t>3 Literaturverzeichnis</a:t>
+              <a:t>4 Literaturverzeichnis</a:t>
             </a:r>
           </a:p>
         </p:txBody>
@@ -3436,7 +4156,7 @@
             </a:pPr>
             <a:r>
               <a:rPr/>
-              <a:t>1 Unternehmensvorstellung</a:t>
+              <a:t>1 Erfahrungsbereich Unternehmen und Beruf</a:t>
             </a:r>
           </a:p>
         </p:txBody>
@@ -3565,7 +4285,7 @@
             </a:pPr>
             <a:r>
               <a:rPr/>
-              <a:t>1.1 Eckdaten</a:t>
+              <a:t>1.1 Unternehmensprofil</a:t>
             </a:r>
           </a:p>
         </p:txBody>
@@ -3588,14 +4308,14 @@
             <a:pPr lvl="0"/>
             <a:r>
               <a:rPr/>
-              <a:t>Anbieter von Aus- und Weiterbildungsdienstleistungen</a:t>
+              <a:t>Privater Anbieter von Aus- und Weiterbildungsdienstleistungen</a:t>
             </a:r>
           </a:p>
           <a:p>
             <a:pPr lvl="0"/>
             <a:r>
               <a:rPr/>
-              <a:t>Deutschlandweite 16 Schulungszentren</a:t>
+              <a:t>Deutschlandweite 16 Schulungszentren mit ca. 120 festen Mitarbeitern</a:t>
             </a:r>
           </a:p>
           <a:p>
@@ -3766,7 +4486,7 @@
             </a:pPr>
             <a:r>
               <a:rPr/>
-              <a:t>1.3 Aufbauorganisation</a:t>
+              <a:t>1.3 Aus-und Weiterbildungsportfolio</a:t>
             </a:r>
           </a:p>
         </p:txBody>
@@ -3789,21 +4509,21 @@
             <a:pPr lvl="0"/>
             <a:r>
               <a:rPr/>
-              <a:t>0</a:t>
+              <a:t>Umschulungen in insgesamt 8 statlich anerkannten Ausbildungsberufen</a:t>
             </a:r>
           </a:p>
           <a:p>
             <a:pPr lvl="0"/>
             <a:r>
               <a:rPr/>
-              <a:t>1</a:t>
+              <a:t>Berufliche Teilqualifikationen (MS Office und Datev)</a:t>
             </a:r>
           </a:p>
           <a:p>
             <a:pPr lvl="0"/>
             <a:r>
               <a:rPr/>
-              <a:t>2</a:t>
+              <a:t>Kooperationspartner für IHK Zertifizierungsprüfungen</a:t>
             </a:r>
           </a:p>
         </p:txBody>
@@ -3840,12 +4560,7 @@
             <p:ph type="title"/>
           </p:nvPr>
         </p:nvSpPr>
-        <p:spPr>
-          <a:xfrm>
-            <a:off x="722313" y="4406900"/>
-            <a:ext cx="7772400" cy="1362075"/>
-          </a:xfrm>
-        </p:spPr>
+        <p:spPr/>
         <p:txBody>
           <a:bodyPr/>
           <a:lstStyle/>
@@ -3855,7 +4570,37 @@
             </a:pPr>
             <a:r>
               <a:rPr/>
-              <a:t>2 Betriebliche Handlungsalternativen</a:t>
+              <a:t>1.4 Aufbauorgaisation und Unternehmensstruktur</a:t>
+            </a:r>
+          </a:p>
+        </p:txBody>
+      </p:sp>
+      <p:sp>
+        <p:nvSpPr>
+          <p:cNvPr id="3" name="Content Placeholder 2"/>
+          <p:cNvSpPr>
+            <a:spLocks noGrp="1"/>
+          </p:cNvSpPr>
+          <p:nvPr>
+            <p:ph idx="1"/>
+          </p:nvPr>
+        </p:nvSpPr>
+        <p:spPr/>
+        <p:txBody>
+          <a:bodyPr/>
+          <a:lstStyle/>
+          <a:p>
+            <a:pPr lvl="0"/>
+            <a:r>
+              <a:rPr/>
+              <a:t>Vor 2020: Dezentralisiertes Struktur, weitgehenst autarke Verwaltung der Standorte unter Dachverwaltung</a:t>
+            </a:r>
+          </a:p>
+          <a:p>
+            <a:pPr lvl="0"/>
+            <a:r>
+              <a:rPr/>
+              <a:t>Seit 2020: Strategische Neuorientierung aufgrund der neuen Rahmenbedingungen der Sars-Cov 2 Epidemie</a:t>
             </a:r>
           </a:p>
         </p:txBody>
@@ -3902,7 +4647,7 @@
             </a:pPr>
             <a:r>
               <a:rPr/>
-              <a:t>2.1 Ökonomische Zielkonflikte</a:t>
+              <a:t>1.5 Betriebliche Handlungsalternativen</a:t>
             </a:r>
           </a:p>
         </p:txBody>
@@ -3922,12 +4667,45 @@
           <a:bodyPr/>
           <a:lstStyle/>
           <a:p>
-            <a:pPr lvl="0" indent="0" marL="0">
-              <a:buNone/>
-            </a:pPr>
-            <a:r>
-              <a:rPr/>
-              <a:t>was ist daaas?</a:t>
+            <a:pPr lvl="0"/>
+            <a:r>
+              <a:rPr/>
+              <a:t>Privatwirtschaftlich, d.h. primär profitorientierte Ausrichtung des Unternehmens</a:t>
+            </a:r>
+          </a:p>
+          <a:p>
+            <a:pPr lvl="0"/>
+            <a:r>
+              <a:rPr/>
+              <a:t>Zielkonflikt zu pädagogischen/sozialen Verantwortung?</a:t>
+            </a:r>
+          </a:p>
+          <a:p>
+            <a:pPr lvl="0"/>
+            <a:r>
+              <a:rPr/>
+              <a:t>Primäre (innerbetriebliche) Erfolgskennzahl: Arbeitsvermittlungsquote!</a:t>
+            </a:r>
+          </a:p>
+          <a:p>
+            <a:pPr lvl="1"/>
+            <a:r>
+              <a:rPr/>
+              <a:t>Anreiz zur Vermittlung in Niedriglohnsektor und Zeitarbeitsverhältnisse</a:t>
+            </a:r>
+          </a:p>
+          <a:p>
+            <a:pPr lvl="1"/>
+            <a:r>
+              <a:rPr/>
+              <a:t>Keine nachhaltig/langfristige Ausrichtung</a:t>
+            </a:r>
+          </a:p>
+          <a:p>
+            <a:pPr lvl="1"/>
+            <a:r>
+              <a:rPr/>
+              <a:t>Gesamtökonomischer Effekt fragwürdig</a:t>
             </a:r>
           </a:p>
         </p:txBody>

--- a/praktikum/praesentation/praesentation.pptx
+++ b/praktikum/praesentation/praesentation.pptx
@@ -24,6 +24,7 @@
     <p:sldId id="272" r:id="rId18"/>
     <p:sldId id="273" r:id="rId19"/>
     <p:sldId id="274" r:id="rId20"/>
+    <p:sldId id="275" r:id="rId21"/>
   </p:sldIdLst>
   <p:sldSz cx="9144000" cy="6858000" type="screen4x3"/>
   <p:notesSz cx="6858000" cy="9144000"/>
@@ -3262,7 +3263,7 @@
             </a:pPr>
             <a:r>
               <a:rPr/>
-              <a:t>1.6 Betriebliche Anforderungen</a:t>
+              <a:t>Betriebliche Anforderungen</a:t>
             </a:r>
           </a:p>
         </p:txBody>
@@ -3351,7 +3352,7 @@
             </a:pPr>
             <a:r>
               <a:rPr/>
-              <a:t>2 Betriebliche Handlungsalternativen</a:t>
+              <a:t>Betriebliche Handlungsalternativen</a:t>
             </a:r>
           </a:p>
         </p:txBody>
@@ -3398,7 +3399,7 @@
             </a:pPr>
             <a:r>
               <a:rPr/>
-              <a:t>2.1 Ausgangssituation</a:t>
+              <a:t>Ausgangssituation</a:t>
             </a:r>
           </a:p>
         </p:txBody>
@@ -3517,7 +3518,7 @@
             </a:pPr>
             <a:r>
               <a:rPr/>
-              <a:t>2.2 Schwierigkeiten</a:t>
+              <a:t>Schwierigkeiten</a:t>
             </a:r>
           </a:p>
         </p:txBody>
@@ -3608,7 +3609,7 @@
             </a:pPr>
             <a:r>
               <a:rPr/>
-              <a:t>2.3 Lösungsvorschlage</a:t>
+              <a:t>Lösungsvorschlage</a:t>
             </a:r>
           </a:p>
         </p:txBody>
@@ -3696,7 +3697,7 @@
             </a:pPr>
             <a:r>
               <a:rPr/>
-              <a:t>2.4 Betriebliche Lösungsvorschläge</a:t>
+              <a:t>Betriebliche Lösungsvorschläge</a:t>
             </a:r>
           </a:p>
         </p:txBody>
@@ -3785,7 +3786,7 @@
             </a:pPr>
             <a:r>
               <a:rPr/>
-              <a:t>3 Unterweisungseinheit</a:t>
+              <a:t>Unterweisungseinheit</a:t>
             </a:r>
           </a:p>
         </p:txBody>
@@ -3832,7 +3833,7 @@
             </a:pPr>
             <a:r>
               <a:rPr/>
-              <a:t>3.1 Inhalt</a:t>
+              <a:t>Inhalt</a:t>
             </a:r>
           </a:p>
         </p:txBody>
@@ -3916,7 +3917,7 @@
             </a:pPr>
             <a:r>
               <a:rPr/>
-              <a:t>3.2 Vorgehensweise</a:t>
+              <a:t>Vorgehensweise</a:t>
             </a:r>
           </a:p>
         </p:txBody>
@@ -3990,12 +3991,7 @@
             <p:ph type="title"/>
           </p:nvPr>
         </p:nvSpPr>
-        <p:spPr>
-          <a:xfrm>
-            <a:off x="722313" y="4406900"/>
-            <a:ext cx="7772400" cy="1362075"/>
-          </a:xfrm>
-        </p:spPr>
+        <p:spPr/>
         <p:txBody>
           <a:bodyPr/>
           <a:lstStyle/>
@@ -4005,7 +4001,64 @@
             </a:pPr>
             <a:r>
               <a:rPr/>
-              <a:t>4 Literaturverzeichnis</a:t>
+              <a:t>Schwierigkeiten</a:t>
+            </a:r>
+          </a:p>
+        </p:txBody>
+      </p:sp>
+      <p:sp>
+        <p:nvSpPr>
+          <p:cNvPr id="3" name="Content Placeholder 2"/>
+          <p:cNvSpPr>
+            <a:spLocks noGrp="1"/>
+          </p:cNvSpPr>
+          <p:nvPr>
+            <p:ph idx="1"/>
+          </p:nvPr>
+        </p:nvSpPr>
+        <p:spPr/>
+        <p:txBody>
+          <a:bodyPr/>
+          <a:lstStyle/>
+          <a:p>
+            <a:pPr lvl="0"/>
+            <a:r>
+              <a:rPr/>
+              <a:t>Fehlendes Feedback bei Online Unterweisungen</a:t>
+            </a:r>
+          </a:p>
+          <a:p>
+            <a:pPr lvl="0"/>
+            <a:r>
+              <a:rPr/>
+              <a:t>Aktivierung der Teilnehmer zur Teilnahme?</a:t>
+            </a:r>
+          </a:p>
+          <a:p>
+            <a:pPr lvl="1" indent="-457200" marL="914400">
+              <a:buAutoNum type="arabicPeriod"/>
+            </a:pPr>
+            <a:r>
+              <a:rPr/>
+              <a:t>Gruppenarbeitsphasen einsetzten?</a:t>
+            </a:r>
+          </a:p>
+          <a:p>
+            <a:pPr lvl="1" indent="-457200" marL="914400">
+              <a:buAutoNum type="arabicPeriod"/>
+            </a:pPr>
+            <a:r>
+              <a:rPr/>
+              <a:t>Vermehrter Einsatz von Online Tools?</a:t>
+            </a:r>
+          </a:p>
+          <a:p>
+            <a:pPr lvl="1" indent="-457200" marL="914400">
+              <a:buAutoNum type="arabicPeriod"/>
+            </a:pPr>
+            <a:r>
+              <a:rPr/>
+              <a:t>Ausweichen auf Video Formate?</a:t>
             </a:r>
           </a:p>
         </p:txBody>
@@ -4077,7 +4130,7 @@
               <a:rPr>
                 <a:hlinkClick r:id="rId2" action="ppaction://hlinksldjump"/>
               </a:rPr>
-              <a:t>1 Erfahrungsbereich Unternehmen und Beruf</a:t>
+              <a:t>Erfahrungsbereich Unternehmen und Beruf</a:t>
             </a:r>
           </a:p>
           <a:p>
@@ -4086,7 +4139,7 @@
               <a:rPr>
                 <a:hlinkClick r:id="rId3" action="ppaction://hlinksldjump"/>
               </a:rPr>
-              <a:t>2 Betriebliche Handlungsalternativen</a:t>
+              <a:t>Betriebliche Handlungsalternativen</a:t>
             </a:r>
           </a:p>
           <a:p>
@@ -4095,16 +4148,100 @@
               <a:rPr>
                 <a:hlinkClick r:id="rId4" action="ppaction://hlinksldjump"/>
               </a:rPr>
-              <a:t>3 Unterweisungseinheit</a:t>
+              <a:t>Unterweisungseinheit</a:t>
+            </a:r>
+          </a:p>
+        </p:txBody>
+      </p:sp>
+    </p:spTree>
+  </p:cSld>
+</p:sld>
+</file>
+
+<file path=ppt/slides/slide20.xml><?xml version="1.0" encoding="utf-8"?>
+<p:sld xmlns:a="http://schemas.openxmlformats.org/drawingml/2006/main" xmlns:r="http://schemas.openxmlformats.org/officeDocument/2006/relationships" xmlns:p="http://schemas.openxmlformats.org/presentationml/2006/main">
+  <p:cSld>
+    <p:spTree>
+      <p:nvGrpSpPr>
+        <p:cNvPr id="1" name=""/>
+        <p:cNvGrpSpPr/>
+        <p:nvPr/>
+      </p:nvGrpSpPr>
+      <p:grpSpPr>
+        <a:xfrm>
+          <a:off x="0" y="0"/>
+          <a:ext cx="0" cy="0"/>
+          <a:chOff x="0" y="0"/>
+          <a:chExt cx="0" cy="0"/>
+        </a:xfrm>
+      </p:grpSpPr>
+      <p:sp>
+        <p:nvSpPr>
+          <p:cNvPr id="2" name="Title 1"/>
+          <p:cNvSpPr>
+            <a:spLocks noGrp="1"/>
+          </p:cNvSpPr>
+          <p:nvPr>
+            <p:ph type="title"/>
+          </p:nvPr>
+        </p:nvSpPr>
+        <p:spPr/>
+        <p:txBody>
+          <a:bodyPr/>
+          <a:lstStyle/>
+          <a:p>
+            <a:pPr lvl="0" indent="0" marL="0">
+              <a:buNone/>
+            </a:pPr>
+            <a:r>
+              <a:rPr/>
+              <a:t>Ihre Meinung</a:t>
+            </a:r>
+          </a:p>
+        </p:txBody>
+      </p:sp>
+      <p:sp>
+        <p:nvSpPr>
+          <p:cNvPr id="3" name="Content Placeholder 2"/>
+          <p:cNvSpPr>
+            <a:spLocks noGrp="1"/>
+          </p:cNvSpPr>
+          <p:nvPr>
+            <p:ph idx="1"/>
+          </p:nvPr>
+        </p:nvSpPr>
+        <p:spPr/>
+        <p:txBody>
+          <a:bodyPr/>
+          <a:lstStyle/>
+          <a:p>
+            <a:pPr lvl="0" indent="0" marL="0">
+              <a:buNone/>
+            </a:pPr>
+            <a:r>
+              <a:rPr/>
+              <a:t>Nach mehreren Semestern Erfahrungen mit Online Seminaren/Vorlesungen:</a:t>
             </a:r>
           </a:p>
           <a:p>
             <a:pPr lvl="0"/>
             <a:r>
-              <a:rPr>
-                <a:hlinkClick r:id="rId5" action="ppaction://hlinksldjump"/>
-              </a:rPr>
-              <a:t>4 Literaturverzeichnis</a:t>
+              <a:rPr/>
+              <a:t>welche Methoden halten Sie für sinnvoll?</a:t>
+            </a:r>
+          </a:p>
+          <a:p>
+            <a:pPr lvl="0"/>
+            <a:r>
+              <a:rPr/>
+              <a:t>Welche Methoden gefallen Ihnen nicht?</a:t>
+            </a:r>
+          </a:p>
+          <a:p>
+            <a:pPr lvl="0"/>
+            <a:r>
+              <a:rPr/>
+              <a:t>was macht eine gute Online Schulung aus?</a:t>
             </a:r>
           </a:p>
         </p:txBody>
@@ -4156,7 +4293,7 @@
             </a:pPr>
             <a:r>
               <a:rPr/>
-              <a:t>1 Erfahrungsbereich Unternehmen und Beruf</a:t>
+              <a:t>Erfahrungsbereich Unternehmen und Beruf</a:t>
             </a:r>
           </a:p>
         </p:txBody>
@@ -4285,7 +4422,7 @@
             </a:pPr>
             <a:r>
               <a:rPr/>
-              <a:t>1.1 Unternehmensprofil</a:t>
+              <a:t>Unternehmensprofil</a:t>
             </a:r>
           </a:p>
         </p:txBody>
@@ -4396,7 +4533,7 @@
             </a:pPr>
             <a:r>
               <a:rPr/>
-              <a:t>1.2 Geschäftsbereiche</a:t>
+              <a:t>Geschäftsbereiche</a:t>
             </a:r>
           </a:p>
         </p:txBody>
@@ -4486,7 +4623,7 @@
             </a:pPr>
             <a:r>
               <a:rPr/>
-              <a:t>1.3 Aus-und Weiterbildungsportfolio</a:t>
+              <a:t>Aus-und Weiterbildungsportfolio</a:t>
             </a:r>
           </a:p>
         </p:txBody>
@@ -4570,7 +4707,7 @@
             </a:pPr>
             <a:r>
               <a:rPr/>
-              <a:t>1.4 Aufbauorgaisation und Unternehmensstruktur</a:t>
+              <a:t>Aufbauorgaisation und Unternehmensstruktur</a:t>
             </a:r>
           </a:p>
         </p:txBody>
@@ -4647,7 +4784,7 @@
             </a:pPr>
             <a:r>
               <a:rPr/>
-              <a:t>1.5 Betriebliche Handlungsalternativen</a:t>
+              <a:t>Betriebliche Handlungsalternativen</a:t>
             </a:r>
           </a:p>
         </p:txBody>
